--- a/diagrams and requirements/SIMPLE LIFE.pptx
+++ b/diagrams and requirements/SIMPLE LIFE.pptx
@@ -14,6 +14,9 @@
     <p:sldId id="263" r:id="rId8"/>
     <p:sldId id="260" r:id="rId9"/>
     <p:sldId id="264" r:id="rId10"/>
+    <p:sldId id="265" r:id="rId11"/>
+    <p:sldId id="266" r:id="rId12"/>
+    <p:sldId id="270" r:id="rId13"/>
   </p:sldIdLst>
   <p:sldSz cx="12192000" cy="6858000"/>
   <p:notesSz cx="6858000" cy="9144000"/>
@@ -112,6 +115,11 @@
       </a:defRPr>
     </a:lvl9pPr>
   </p:defaultTextStyle>
+  <p:extLst>
+    <p:ext uri="{EFAFB233-063F-42B5-8137-9DF3F51BA10A}">
+      <p15:sldGuideLst xmlns:p15="http://schemas.microsoft.com/office/powerpoint/2012/main"/>
+    </p:ext>
+  </p:extLst>
 </p:presentation>
 </file>
 
@@ -3120,6 +3128,543 @@
 </p:sld>
 </file>
 
+<file path=ppt/slides/slide10.xml><?xml version="1.0" encoding="utf-8"?>
+<p:sld xmlns:a="http://schemas.openxmlformats.org/drawingml/2006/main" xmlns:r="http://schemas.openxmlformats.org/officeDocument/2006/relationships" xmlns:p="http://schemas.openxmlformats.org/presentationml/2006/main">
+  <p:cSld>
+    <p:spTree>
+      <p:nvGrpSpPr>
+        <p:cNvPr id="1" name=""/>
+        <p:cNvGrpSpPr/>
+        <p:nvPr/>
+      </p:nvGrpSpPr>
+      <p:grpSpPr>
+        <a:xfrm>
+          <a:off x="0" y="0"/>
+          <a:ext cx="0" cy="0"/>
+          <a:chOff x="0" y="0"/>
+          <a:chExt cx="0" cy="0"/>
+        </a:xfrm>
+      </p:grpSpPr>
+      <p:sp>
+        <p:nvSpPr>
+          <p:cNvPr id="2" name="標題 1"/>
+          <p:cNvSpPr>
+            <a:spLocks noGrp="1"/>
+          </p:cNvSpPr>
+          <p:nvPr>
+            <p:ph type="title"/>
+          </p:nvPr>
+        </p:nvSpPr>
+        <p:spPr/>
+        <p:txBody>
+          <a:bodyPr>
+            <a:normAutofit/>
+          </a:bodyPr>
+          <a:lstStyle/>
+          <a:p>
+            <a:r>
+              <a:rPr lang="en-US" altLang="zh-TW" dirty="0">
+                <a:solidFill>
+                  <a:schemeClr val="bg1"/>
+                </a:solidFill>
+              </a:rPr>
+              <a:t>Command Type</a:t>
+            </a:r>
+            <a:endParaRPr lang="zh-TW" altLang="en-US" dirty="0">
+              <a:solidFill>
+                <a:schemeClr val="bg1"/>
+              </a:solidFill>
+            </a:endParaRPr>
+          </a:p>
+        </p:txBody>
+      </p:sp>
+      <p:sp>
+        <p:nvSpPr>
+          <p:cNvPr id="3" name="內容版面配置區 2"/>
+          <p:cNvSpPr>
+            <a:spLocks noGrp="1"/>
+          </p:cNvSpPr>
+          <p:nvPr>
+            <p:ph idx="1"/>
+          </p:nvPr>
+        </p:nvSpPr>
+        <p:spPr/>
+        <p:txBody>
+          <a:bodyPr>
+            <a:normAutofit fontScale="55000" lnSpcReduction="20000"/>
+          </a:bodyPr>
+          <a:lstStyle/>
+          <a:p>
+            <a:r>
+              <a:rPr lang="en-US" altLang="zh-TW" dirty="0"/>
+              <a:t>Commands between server, cell phone and main controller</a:t>
+            </a:r>
+            <a:endParaRPr lang="zh-TW" altLang="zh-TW" dirty="0"/>
+          </a:p>
+          <a:p>
+            <a:pPr lvl="0"/>
+            <a:r>
+              <a:rPr lang="en-US" altLang="zh-TW" dirty="0"/>
+              <a:t>Register: /Register [email] [password]</a:t>
+            </a:r>
+            <a:endParaRPr lang="zh-TW" altLang="zh-TW" dirty="0"/>
+          </a:p>
+          <a:p>
+            <a:pPr lvl="1"/>
+            <a:r>
+              <a:rPr lang="en-US" altLang="zh-TW" dirty="0"/>
+              <a:t>par[0] = email(username)</a:t>
+            </a:r>
+            <a:endParaRPr lang="zh-TW" altLang="zh-TW" dirty="0"/>
+          </a:p>
+          <a:p>
+            <a:pPr lvl="1"/>
+            <a:r>
+              <a:rPr lang="en-US" altLang="zh-TW" dirty="0"/>
+              <a:t>par[1] = password</a:t>
+            </a:r>
+            <a:endParaRPr lang="zh-TW" altLang="zh-TW" dirty="0"/>
+          </a:p>
+          <a:p>
+            <a:pPr lvl="0"/>
+            <a:r>
+              <a:rPr lang="en-US" altLang="zh-TW" dirty="0"/>
+              <a:t>Login: /Login [username] [password]</a:t>
+            </a:r>
+            <a:endParaRPr lang="zh-TW" altLang="zh-TW" dirty="0"/>
+          </a:p>
+          <a:p>
+            <a:pPr lvl="1"/>
+            <a:r>
+              <a:rPr lang="en-US" altLang="zh-TW" dirty="0"/>
+              <a:t>par[0] = username</a:t>
+            </a:r>
+            <a:endParaRPr lang="zh-TW" altLang="zh-TW" dirty="0"/>
+          </a:p>
+          <a:p>
+            <a:pPr lvl="1"/>
+            <a:r>
+              <a:rPr lang="en-US" altLang="zh-TW" dirty="0"/>
+              <a:t>par[1] = password</a:t>
+            </a:r>
+            <a:endParaRPr lang="zh-TW" altLang="zh-TW" dirty="0"/>
+          </a:p>
+          <a:p>
+            <a:pPr lvl="0"/>
+            <a:r>
+              <a:rPr lang="en-US" altLang="zh-TW" dirty="0"/>
+              <a:t>Add Main Controller: /</a:t>
+            </a:r>
+            <a:r>
+              <a:rPr lang="en-US" altLang="zh-TW" dirty="0" err="1"/>
+              <a:t>AddMC</a:t>
+            </a:r>
+            <a:r>
+              <a:rPr lang="en-US" altLang="zh-TW" dirty="0"/>
+              <a:t> [username] [password] [MCID] [username]</a:t>
+            </a:r>
+            <a:endParaRPr lang="zh-TW" altLang="zh-TW" dirty="0"/>
+          </a:p>
+          <a:p>
+            <a:pPr lvl="1"/>
+            <a:r>
+              <a:rPr lang="en-US" altLang="zh-TW" dirty="0"/>
+              <a:t>par[0] = username</a:t>
+            </a:r>
+            <a:endParaRPr lang="zh-TW" altLang="zh-TW" dirty="0"/>
+          </a:p>
+          <a:p>
+            <a:pPr lvl="1"/>
+            <a:r>
+              <a:rPr lang="en-US" altLang="zh-TW" dirty="0"/>
+              <a:t>par[1] = password</a:t>
+            </a:r>
+            <a:endParaRPr lang="zh-TW" altLang="zh-TW" dirty="0"/>
+          </a:p>
+          <a:p>
+            <a:pPr lvl="1"/>
+            <a:r>
+              <a:rPr lang="en-US" altLang="zh-TW" dirty="0"/>
+              <a:t>par[2] = Main Controller ID</a:t>
+            </a:r>
+            <a:endParaRPr lang="zh-TW" altLang="zh-TW" dirty="0"/>
+          </a:p>
+          <a:p>
+            <a:pPr lvl="1"/>
+            <a:r>
+              <a:rPr lang="en-US" altLang="zh-TW" dirty="0"/>
+              <a:t>par[3] = username</a:t>
+            </a:r>
+            <a:endParaRPr lang="zh-TW" altLang="zh-TW" dirty="0"/>
+          </a:p>
+          <a:p>
+            <a:pPr lvl="0"/>
+            <a:r>
+              <a:rPr lang="en-US" altLang="zh-TW" dirty="0"/>
+              <a:t>Main Controller Connect: /</a:t>
+            </a:r>
+            <a:r>
+              <a:rPr lang="en-US" altLang="zh-TW" dirty="0" err="1"/>
+              <a:t>MCConnect</a:t>
+            </a:r>
+            <a:r>
+              <a:rPr lang="en-US" altLang="zh-TW" dirty="0"/>
+              <a:t> [MCID]</a:t>
+            </a:r>
+            <a:endParaRPr lang="zh-TW" altLang="zh-TW" dirty="0"/>
+          </a:p>
+          <a:p>
+            <a:pPr lvl="1"/>
+            <a:r>
+              <a:rPr lang="en-US" altLang="zh-TW" dirty="0"/>
+              <a:t>par[0]= MCID</a:t>
+            </a:r>
+            <a:endParaRPr lang="zh-TW" altLang="zh-TW" dirty="0"/>
+          </a:p>
+          <a:p>
+            <a:pPr lvl="0"/>
+            <a:r>
+              <a:rPr lang="en-US" altLang="zh-TW" dirty="0"/>
+              <a:t>Control Appliance: /</a:t>
+            </a:r>
+            <a:r>
+              <a:rPr lang="en-US" altLang="zh-TW" dirty="0" err="1"/>
+              <a:t>ControlAppliance</a:t>
+            </a:r>
+            <a:r>
+              <a:rPr lang="en-US" altLang="zh-TW" dirty="0"/>
+              <a:t> [username] [password] [MCID] [Device Type] [Device ID] [</a:t>
+            </a:r>
+            <a:r>
+              <a:rPr lang="en-US" altLang="zh-TW" dirty="0" err="1"/>
+              <a:t>cmd</a:t>
+            </a:r>
+            <a:r>
+              <a:rPr lang="en-US" altLang="zh-TW" dirty="0"/>
+              <a:t>]</a:t>
+            </a:r>
+            <a:endParaRPr lang="zh-TW" altLang="zh-TW" dirty="0"/>
+          </a:p>
+          <a:p>
+            <a:pPr lvl="1"/>
+            <a:r>
+              <a:rPr lang="en-US" altLang="zh-TW" dirty="0"/>
+              <a:t>par[0] = username</a:t>
+            </a:r>
+            <a:endParaRPr lang="zh-TW" altLang="zh-TW" dirty="0"/>
+          </a:p>
+          <a:p>
+            <a:pPr lvl="1"/>
+            <a:r>
+              <a:rPr lang="en-US" altLang="zh-TW" dirty="0"/>
+              <a:t>par[1] = password</a:t>
+            </a:r>
+            <a:endParaRPr lang="zh-TW" altLang="zh-TW" dirty="0"/>
+          </a:p>
+          <a:p>
+            <a:pPr lvl="1"/>
+            <a:r>
+              <a:rPr lang="en-US" altLang="zh-TW" dirty="0"/>
+              <a:t>par[2] = </a:t>
+            </a:r>
+            <a:r>
+              <a:rPr lang="en-US" altLang="zh-TW" dirty="0" smtClean="0"/>
+              <a:t>MCID………</a:t>
+            </a:r>
+            <a:endParaRPr lang="zh-TW" altLang="zh-TW" dirty="0"/>
+          </a:p>
+          <a:p>
+            <a:endParaRPr lang="zh-TW" altLang="en-US" dirty="0"/>
+          </a:p>
+        </p:txBody>
+      </p:sp>
+    </p:spTree>
+    <p:extLst>
+      <p:ext uri="{BB962C8B-B14F-4D97-AF65-F5344CB8AC3E}">
+        <p14:creationId xmlns:p14="http://schemas.microsoft.com/office/powerpoint/2010/main" val="2630660535"/>
+      </p:ext>
+    </p:extLst>
+  </p:cSld>
+  <p:clrMapOvr>
+    <a:masterClrMapping/>
+  </p:clrMapOvr>
+</p:sld>
+</file>
+
+<file path=ppt/slides/slide11.xml><?xml version="1.0" encoding="utf-8"?>
+<p:sld xmlns:a="http://schemas.openxmlformats.org/drawingml/2006/main" xmlns:r="http://schemas.openxmlformats.org/officeDocument/2006/relationships" xmlns:p="http://schemas.openxmlformats.org/presentationml/2006/main">
+  <p:cSld>
+    <p:spTree>
+      <p:nvGrpSpPr>
+        <p:cNvPr id="1" name=""/>
+        <p:cNvGrpSpPr/>
+        <p:nvPr/>
+      </p:nvGrpSpPr>
+      <p:grpSpPr>
+        <a:xfrm>
+          <a:off x="0" y="0"/>
+          <a:ext cx="0" cy="0"/>
+          <a:chOff x="0" y="0"/>
+          <a:chExt cx="0" cy="0"/>
+        </a:xfrm>
+      </p:grpSpPr>
+      <p:sp>
+        <p:nvSpPr>
+          <p:cNvPr id="2" name="標題 1"/>
+          <p:cNvSpPr>
+            <a:spLocks noGrp="1"/>
+          </p:cNvSpPr>
+          <p:nvPr>
+            <p:ph type="title"/>
+          </p:nvPr>
+        </p:nvSpPr>
+        <p:spPr/>
+        <p:txBody>
+          <a:bodyPr>
+            <a:normAutofit/>
+          </a:bodyPr>
+          <a:lstStyle/>
+          <a:p>
+            <a:r>
+              <a:rPr lang="en-US" altLang="zh-TW" dirty="0">
+                <a:solidFill>
+                  <a:schemeClr val="bg1"/>
+                </a:solidFill>
+              </a:rPr>
+              <a:t>Return </a:t>
+            </a:r>
+            <a:r>
+              <a:rPr lang="en-US" altLang="zh-TW" dirty="0">
+                <a:solidFill>
+                  <a:schemeClr val="bg1"/>
+                </a:solidFill>
+              </a:rPr>
+              <a:t>v</a:t>
+            </a:r>
+            <a:r>
+              <a:rPr lang="en-US" altLang="zh-TW" dirty="0">
+                <a:solidFill>
+                  <a:schemeClr val="bg1"/>
+                </a:solidFill>
+              </a:rPr>
+              <a:t>alue meaning</a:t>
+            </a:r>
+            <a:endParaRPr lang="zh-TW" altLang="en-US" dirty="0">
+              <a:solidFill>
+                <a:schemeClr val="bg1"/>
+              </a:solidFill>
+            </a:endParaRPr>
+          </a:p>
+        </p:txBody>
+      </p:sp>
+      <p:sp>
+        <p:nvSpPr>
+          <p:cNvPr id="3" name="內容版面配置區 2"/>
+          <p:cNvSpPr>
+            <a:spLocks noGrp="1"/>
+          </p:cNvSpPr>
+          <p:nvPr>
+            <p:ph idx="1"/>
+          </p:nvPr>
+        </p:nvSpPr>
+        <p:spPr/>
+        <p:txBody>
+          <a:bodyPr>
+            <a:normAutofit fontScale="55000" lnSpcReduction="20000"/>
+          </a:bodyPr>
+          <a:lstStyle/>
+          <a:p>
+            <a:r>
+              <a:rPr lang="en-US" altLang="zh-TW" dirty="0"/>
+              <a:t>Server Return Code</a:t>
+            </a:r>
+            <a:endParaRPr lang="zh-TW" altLang="zh-TW" dirty="0"/>
+          </a:p>
+          <a:p>
+            <a:pPr lvl="0"/>
+            <a:r>
+              <a:rPr lang="en-US" altLang="zh-TW" dirty="0"/>
+              <a:t>R000: Register failure, email exists</a:t>
+            </a:r>
+            <a:endParaRPr lang="zh-TW" altLang="zh-TW" dirty="0"/>
+          </a:p>
+          <a:p>
+            <a:pPr lvl="0"/>
+            <a:r>
+              <a:rPr lang="en-US" altLang="zh-TW" dirty="0"/>
+              <a:t>R001: Register success</a:t>
+            </a:r>
+            <a:endParaRPr lang="zh-TW" altLang="zh-TW" dirty="0"/>
+          </a:p>
+          <a:p>
+            <a:pPr lvl="0"/>
+            <a:r>
+              <a:rPr lang="en-US" altLang="zh-TW" dirty="0"/>
+              <a:t>R002: Login Success</a:t>
+            </a:r>
+            <a:endParaRPr lang="zh-TW" altLang="zh-TW" dirty="0"/>
+          </a:p>
+          <a:p>
+            <a:pPr lvl="0"/>
+            <a:r>
+              <a:rPr lang="en-US" altLang="zh-TW" dirty="0"/>
+              <a:t>R003: Login failure, username not found</a:t>
+            </a:r>
+            <a:endParaRPr lang="zh-TW" altLang="zh-TW" dirty="0"/>
+          </a:p>
+          <a:p>
+            <a:pPr lvl="0"/>
+            <a:r>
+              <a:rPr lang="en-US" altLang="zh-TW" dirty="0"/>
+              <a:t>R004: Login failure, password incorrect</a:t>
+            </a:r>
+            <a:endParaRPr lang="zh-TW" altLang="zh-TW" dirty="0"/>
+          </a:p>
+          <a:p>
+            <a:pPr lvl="0"/>
+            <a:r>
+              <a:rPr lang="en-US" altLang="zh-TW" dirty="0"/>
+              <a:t>R005: Add MC success</a:t>
+            </a:r>
+            <a:endParaRPr lang="zh-TW" altLang="zh-TW" dirty="0"/>
+          </a:p>
+          <a:p>
+            <a:pPr lvl="0"/>
+            <a:r>
+              <a:rPr lang="en-US" altLang="zh-TW" dirty="0"/>
+              <a:t>R006: Add MC failure, ID not exist or controller doesn’t connect to server</a:t>
+            </a:r>
+            <a:endParaRPr lang="zh-TW" altLang="zh-TW" dirty="0"/>
+          </a:p>
+          <a:p>
+            <a:pPr lvl="0"/>
+            <a:r>
+              <a:rPr lang="en-US" altLang="zh-TW" dirty="0"/>
+              <a:t>R007: Authenticate failure, username or password incorrect</a:t>
+            </a:r>
+            <a:endParaRPr lang="zh-TW" altLang="zh-TW" dirty="0"/>
+          </a:p>
+          <a:p>
+            <a:pPr lvl="0"/>
+            <a:r>
+              <a:rPr lang="en-US" altLang="zh-TW" dirty="0"/>
+              <a:t>R008: Main Controller connect success</a:t>
+            </a:r>
+            <a:endParaRPr lang="zh-TW" altLang="zh-TW" dirty="0"/>
+          </a:p>
+          <a:p>
+            <a:pPr lvl="0"/>
+            <a:r>
+              <a:rPr lang="en-US" altLang="zh-TW" dirty="0"/>
+              <a:t>R009: Main Controller connect failure, controller id not found</a:t>
+            </a:r>
+            <a:endParaRPr lang="zh-TW" altLang="zh-TW" dirty="0"/>
+          </a:p>
+          <a:p>
+            <a:pPr lvl="0"/>
+            <a:r>
+              <a:rPr lang="en-US" altLang="zh-TW" dirty="0"/>
+              <a:t>R010: Command forward success</a:t>
+            </a:r>
+            <a:endParaRPr lang="zh-TW" altLang="zh-TW" dirty="0"/>
+          </a:p>
+          <a:p>
+            <a:pPr lvl="0"/>
+            <a:r>
+              <a:rPr lang="en-US" altLang="zh-TW" dirty="0"/>
+              <a:t>R011: Command forward failure</a:t>
+            </a:r>
+            <a:endParaRPr lang="zh-TW" altLang="zh-TW" dirty="0"/>
+          </a:p>
+          <a:p>
+            <a:pPr lvl="0"/>
+            <a:r>
+              <a:rPr lang="en-US" altLang="zh-TW" dirty="0"/>
+              <a:t>R012: Password change success </a:t>
+            </a:r>
+            <a:r>
+              <a:rPr lang="en-US" altLang="zh-TW" dirty="0" smtClean="0"/>
+              <a:t>……..</a:t>
+            </a:r>
+            <a:endParaRPr lang="zh-TW" altLang="zh-TW" dirty="0"/>
+          </a:p>
+          <a:p>
+            <a:endParaRPr lang="zh-TW" altLang="en-US" dirty="0"/>
+          </a:p>
+        </p:txBody>
+      </p:sp>
+    </p:spTree>
+    <p:extLst>
+      <p:ext uri="{BB962C8B-B14F-4D97-AF65-F5344CB8AC3E}">
+        <p14:creationId xmlns:p14="http://schemas.microsoft.com/office/powerpoint/2010/main" val="2938810693"/>
+      </p:ext>
+    </p:extLst>
+  </p:cSld>
+  <p:clrMapOvr>
+    <a:masterClrMapping/>
+  </p:clrMapOvr>
+</p:sld>
+</file>
+
+<file path=ppt/slides/slide12.xml><?xml version="1.0" encoding="utf-8"?>
+<p:sld xmlns:a="http://schemas.openxmlformats.org/drawingml/2006/main" xmlns:r="http://schemas.openxmlformats.org/officeDocument/2006/relationships" xmlns:p="http://schemas.openxmlformats.org/presentationml/2006/main">
+  <p:cSld>
+    <p:spTree>
+      <p:nvGrpSpPr>
+        <p:cNvPr id="1" name=""/>
+        <p:cNvGrpSpPr/>
+        <p:nvPr/>
+      </p:nvGrpSpPr>
+      <p:grpSpPr>
+        <a:xfrm>
+          <a:off x="0" y="0"/>
+          <a:ext cx="0" cy="0"/>
+          <a:chOff x="0" y="0"/>
+          <a:chExt cx="0" cy="0"/>
+        </a:xfrm>
+      </p:grpSpPr>
+      <p:sp>
+        <p:nvSpPr>
+          <p:cNvPr id="2" name="標題 1"/>
+          <p:cNvSpPr>
+            <a:spLocks noGrp="1"/>
+          </p:cNvSpPr>
+          <p:nvPr>
+            <p:ph type="title"/>
+          </p:nvPr>
+        </p:nvSpPr>
+        <p:spPr>
+          <a:xfrm>
+            <a:off x="820270" y="2812490"/>
+            <a:ext cx="10515600" cy="1325563"/>
+          </a:xfrm>
+        </p:spPr>
+        <p:txBody>
+          <a:bodyPr/>
+          <a:lstStyle/>
+          <a:p>
+            <a:pPr algn="ctr"/>
+            <a:r>
+              <a:rPr lang="en-US" altLang="zh-TW" dirty="0" smtClean="0"/>
+              <a:t>Demo</a:t>
+            </a:r>
+            <a:endParaRPr lang="zh-TW" altLang="en-US" dirty="0"/>
+          </a:p>
+        </p:txBody>
+      </p:sp>
+    </p:spTree>
+    <p:extLst>
+      <p:ext uri="{BB962C8B-B14F-4D97-AF65-F5344CB8AC3E}">
+        <p14:creationId xmlns:p14="http://schemas.microsoft.com/office/powerpoint/2010/main" val="16307995"/>
+      </p:ext>
+    </p:extLst>
+  </p:cSld>
+  <p:clrMapOvr>
+    <a:masterClrMapping/>
+  </p:clrMapOvr>
+</p:sld>
+</file>
+
 <file path=ppt/slides/slide2.xml><?xml version="1.0" encoding="utf-8"?>
 <p:sld xmlns:a="http://schemas.openxmlformats.org/drawingml/2006/main" xmlns:r="http://schemas.openxmlformats.org/officeDocument/2006/relationships" xmlns:p="http://schemas.openxmlformats.org/presentationml/2006/main">
   <p:cSld>
@@ -3618,25 +4163,35 @@
           </a:p>
         </p:txBody>
       </p:sp>
-      <p:sp>
-        <p:nvSpPr>
-          <p:cNvPr id="3" name="內容版面配置區 2"/>
-          <p:cNvSpPr>
-            <a:spLocks noGrp="1"/>
-          </p:cNvSpPr>
+      <p:pic>
+        <p:nvPicPr>
+          <p:cNvPr id="4" name="內容版面配置區 3"/>
+          <p:cNvPicPr>
+            <a:picLocks noGrp="1" noChangeAspect="1"/>
+          </p:cNvPicPr>
           <p:nvPr>
             <p:ph idx="1"/>
           </p:nvPr>
-        </p:nvSpPr>
-        <p:spPr/>
-        <p:txBody>
-          <a:bodyPr/>
-          <a:lstStyle/>
-          <a:p>
-            <a:endParaRPr lang="zh-TW" altLang="en-US"/>
-          </a:p>
-        </p:txBody>
-      </p:sp>
+        </p:nvPicPr>
+        <p:blipFill>
+          <a:blip r:embed="rId2">
+            <a:extLst>
+              <a:ext uri="{28A0092B-C50C-407E-A947-70E740481C1C}">
+                <a14:useLocalDpi xmlns:a14="http://schemas.microsoft.com/office/drawing/2010/main" val="0"/>
+              </a:ext>
+            </a:extLst>
+          </a:blip>
+          <a:stretch>
+            <a:fillRect/>
+          </a:stretch>
+        </p:blipFill>
+        <p:spPr>
+          <a:xfrm>
+            <a:off x="405872" y="1780336"/>
+            <a:ext cx="11557528" cy="4239054"/>
+          </a:xfrm>
+        </p:spPr>
+      </p:pic>
     </p:spTree>
     <p:extLst>
       <p:ext uri="{BB962C8B-B14F-4D97-AF65-F5344CB8AC3E}">
@@ -3713,7 +4268,32 @@
           <a:bodyPr/>
           <a:lstStyle/>
           <a:p>
-            <a:endParaRPr lang="zh-TW" altLang="en-US"/>
+            <a:r>
+              <a:rPr lang="en-US" altLang="zh-TW" dirty="0" smtClean="0"/>
+              <a:t>Factory Pattern</a:t>
+            </a:r>
+          </a:p>
+          <a:p>
+            <a:pPr lvl="1">
+              <a:buFont typeface="Wingdings" panose="05000000000000000000" pitchFamily="2" charset="2"/>
+              <a:buChar char="u"/>
+            </a:pPr>
+            <a:r>
+              <a:rPr lang="en-US" altLang="zh-TW" dirty="0" err="1" smtClean="0"/>
+              <a:t>UserTableCreatoCreator</a:t>
+            </a:r>
+            <a:endParaRPr lang="en-US" altLang="zh-TW" dirty="0" smtClean="0"/>
+          </a:p>
+          <a:p>
+            <a:pPr lvl="1">
+              <a:buFont typeface="Wingdings" panose="05000000000000000000" pitchFamily="2" charset="2"/>
+              <a:buChar char="u"/>
+            </a:pPr>
+            <a:r>
+              <a:rPr lang="en-US" altLang="zh-TW" dirty="0" err="1" smtClean="0"/>
+              <a:t>ControllerSocketTableCreator</a:t>
+            </a:r>
+            <a:endParaRPr lang="zh-TW" altLang="en-US" dirty="0"/>
           </a:p>
         </p:txBody>
       </p:sp>
@@ -3778,25 +4358,35 @@
           </a:p>
         </p:txBody>
       </p:sp>
-      <p:sp>
-        <p:nvSpPr>
-          <p:cNvPr id="3" name="內容版面配置區 2"/>
-          <p:cNvSpPr>
-            <a:spLocks noGrp="1"/>
-          </p:cNvSpPr>
+      <p:pic>
+        <p:nvPicPr>
+          <p:cNvPr id="4" name="內容版面配置區 3"/>
+          <p:cNvPicPr>
+            <a:picLocks noGrp="1" noChangeAspect="1"/>
+          </p:cNvPicPr>
           <p:nvPr>
             <p:ph idx="1"/>
           </p:nvPr>
-        </p:nvSpPr>
-        <p:spPr/>
-        <p:txBody>
-          <a:bodyPr/>
-          <a:lstStyle/>
-          <a:p>
-            <a:endParaRPr lang="zh-TW" altLang="en-US"/>
-          </a:p>
-        </p:txBody>
-      </p:sp>
+        </p:nvPicPr>
+        <p:blipFill>
+          <a:blip r:embed="rId2">
+            <a:extLst>
+              <a:ext uri="{28A0092B-C50C-407E-A947-70E740481C1C}">
+                <a14:useLocalDpi xmlns:a14="http://schemas.microsoft.com/office/drawing/2010/main" val="0"/>
+              </a:ext>
+            </a:extLst>
+          </a:blip>
+          <a:stretch>
+            <a:fillRect/>
+          </a:stretch>
+        </p:blipFill>
+        <p:spPr>
+          <a:xfrm>
+            <a:off x="1936376" y="1507398"/>
+            <a:ext cx="7629161" cy="5171589"/>
+          </a:xfrm>
+        </p:spPr>
+      </p:pic>
     </p:spTree>
     <p:extLst>
       <p:ext uri="{BB962C8B-B14F-4D97-AF65-F5344CB8AC3E}">
@@ -3881,7 +4471,39 @@
           <a:bodyPr/>
           <a:lstStyle/>
           <a:p>
-            <a:endParaRPr lang="zh-TW" altLang="en-US"/>
+            <a:r>
+              <a:rPr lang="en-US" altLang="zh-TW" dirty="0" smtClean="0"/>
+              <a:t>Iterator pattern</a:t>
+            </a:r>
+          </a:p>
+          <a:p>
+            <a:pPr lvl="1">
+              <a:buFont typeface="Wingdings" panose="05000000000000000000" pitchFamily="2" charset="2"/>
+              <a:buChar char="u"/>
+            </a:pPr>
+            <a:r>
+              <a:rPr lang="en-US" altLang="zh-TW" dirty="0" err="1" smtClean="0"/>
+              <a:t>ACIterator</a:t>
+            </a:r>
+            <a:endParaRPr lang="en-US" altLang="zh-TW" dirty="0" smtClean="0"/>
+          </a:p>
+          <a:p>
+            <a:pPr lvl="1">
+              <a:buFont typeface="Wingdings" panose="05000000000000000000" pitchFamily="2" charset="2"/>
+              <a:buChar char="u"/>
+            </a:pPr>
+            <a:r>
+              <a:rPr lang="en-US" altLang="zh-TW" dirty="0" err="1" smtClean="0"/>
+              <a:t>LightIterator</a:t>
+            </a:r>
+            <a:endParaRPr lang="en-US" altLang="zh-TW" dirty="0" smtClean="0"/>
+          </a:p>
+          <a:p>
+            <a:pPr lvl="1">
+              <a:buFont typeface="Wingdings" panose="05000000000000000000" pitchFamily="2" charset="2"/>
+              <a:buChar char="u"/>
+            </a:pPr>
+            <a:endParaRPr lang="zh-TW" altLang="en-US" dirty="0"/>
           </a:p>
         </p:txBody>
       </p:sp>

--- a/diagrams and requirements/SIMPLE LIFE.pptx
+++ b/diagrams and requirements/SIMPLE LIFE.pptx
@@ -16,7 +16,10 @@
     <p:sldId id="264" r:id="rId10"/>
     <p:sldId id="265" r:id="rId11"/>
     <p:sldId id="266" r:id="rId12"/>
-    <p:sldId id="270" r:id="rId13"/>
+    <p:sldId id="271" r:id="rId13"/>
+    <p:sldId id="272" r:id="rId14"/>
+    <p:sldId id="273" r:id="rId15"/>
+    <p:sldId id="270" r:id="rId16"/>
   </p:sldIdLst>
   <p:sldSz cx="12192000" cy="6858000"/>
   <p:notesSz cx="6858000" cy="9144000"/>
@@ -3191,187 +3194,223 @@
         <p:spPr/>
         <p:txBody>
           <a:bodyPr>
-            <a:normAutofit fontScale="55000" lnSpcReduction="20000"/>
+            <a:normAutofit fontScale="32500" lnSpcReduction="20000"/>
           </a:bodyPr>
           <a:lstStyle/>
           <a:p>
             <a:r>
-              <a:rPr lang="en-US" altLang="zh-TW" dirty="0"/>
+              <a:rPr lang="en-US" altLang="zh-TW" sz="4000" dirty="0"/>
               <a:t>Commands between server, cell phone and main controller</a:t>
             </a:r>
-            <a:endParaRPr lang="zh-TW" altLang="zh-TW" dirty="0"/>
+            <a:endParaRPr lang="zh-TW" altLang="zh-TW" sz="4000" dirty="0"/>
           </a:p>
           <a:p>
             <a:pPr lvl="0"/>
             <a:r>
-              <a:rPr lang="en-US" altLang="zh-TW" dirty="0"/>
+              <a:rPr lang="en-US" altLang="zh-TW" sz="4000" dirty="0"/>
               <a:t>Register: /Register [email] [password]</a:t>
             </a:r>
-            <a:endParaRPr lang="zh-TW" altLang="zh-TW" dirty="0"/>
-          </a:p>
-          <a:p>
-            <a:pPr lvl="1"/>
-            <a:r>
-              <a:rPr lang="en-US" altLang="zh-TW" dirty="0"/>
+            <a:endParaRPr lang="zh-TW" altLang="zh-TW" sz="4000" dirty="0"/>
+          </a:p>
+          <a:p>
+            <a:pPr lvl="1">
+              <a:buFont typeface="Wingdings" panose="05000000000000000000" pitchFamily="2" charset="2"/>
+              <a:buChar char="u"/>
+            </a:pPr>
+            <a:r>
+              <a:rPr lang="en-US" altLang="zh-TW" sz="4000" dirty="0"/>
               <a:t>par[0] = email(username)</a:t>
             </a:r>
-            <a:endParaRPr lang="zh-TW" altLang="zh-TW" dirty="0"/>
-          </a:p>
-          <a:p>
-            <a:pPr lvl="1"/>
-            <a:r>
-              <a:rPr lang="en-US" altLang="zh-TW" dirty="0"/>
+            <a:endParaRPr lang="zh-TW" altLang="zh-TW" sz="4000" dirty="0"/>
+          </a:p>
+          <a:p>
+            <a:pPr lvl="1">
+              <a:buFont typeface="Wingdings" panose="05000000000000000000" pitchFamily="2" charset="2"/>
+              <a:buChar char="u"/>
+            </a:pPr>
+            <a:r>
+              <a:rPr lang="en-US" altLang="zh-TW" sz="4000" dirty="0"/>
               <a:t>par[1] = password</a:t>
             </a:r>
-            <a:endParaRPr lang="zh-TW" altLang="zh-TW" dirty="0"/>
+            <a:endParaRPr lang="zh-TW" altLang="zh-TW" sz="4000" dirty="0"/>
           </a:p>
           <a:p>
             <a:pPr lvl="0"/>
             <a:r>
-              <a:rPr lang="en-US" altLang="zh-TW" dirty="0"/>
+              <a:rPr lang="en-US" altLang="zh-TW" sz="4000" dirty="0"/>
               <a:t>Login: /Login [username] [password]</a:t>
             </a:r>
-            <a:endParaRPr lang="zh-TW" altLang="zh-TW" dirty="0"/>
-          </a:p>
-          <a:p>
-            <a:pPr lvl="1"/>
-            <a:r>
-              <a:rPr lang="en-US" altLang="zh-TW" dirty="0"/>
+            <a:endParaRPr lang="zh-TW" altLang="zh-TW" sz="4000" dirty="0"/>
+          </a:p>
+          <a:p>
+            <a:pPr lvl="1">
+              <a:buFont typeface="Wingdings" panose="05000000000000000000" pitchFamily="2" charset="2"/>
+              <a:buChar char="u"/>
+            </a:pPr>
+            <a:r>
+              <a:rPr lang="en-US" altLang="zh-TW" sz="4000" dirty="0"/>
               <a:t>par[0] = username</a:t>
             </a:r>
-            <a:endParaRPr lang="zh-TW" altLang="zh-TW" dirty="0"/>
-          </a:p>
-          <a:p>
-            <a:pPr lvl="1"/>
-            <a:r>
-              <a:rPr lang="en-US" altLang="zh-TW" dirty="0"/>
+            <a:endParaRPr lang="zh-TW" altLang="zh-TW" sz="4000" dirty="0"/>
+          </a:p>
+          <a:p>
+            <a:pPr lvl="1">
+              <a:buFont typeface="Wingdings" panose="05000000000000000000" pitchFamily="2" charset="2"/>
+              <a:buChar char="u"/>
+            </a:pPr>
+            <a:r>
+              <a:rPr lang="en-US" altLang="zh-TW" sz="4000" dirty="0"/>
               <a:t>par[1] = password</a:t>
             </a:r>
-            <a:endParaRPr lang="zh-TW" altLang="zh-TW" dirty="0"/>
+            <a:endParaRPr lang="zh-TW" altLang="zh-TW" sz="4000" dirty="0"/>
           </a:p>
           <a:p>
             <a:pPr lvl="0"/>
             <a:r>
-              <a:rPr lang="en-US" altLang="zh-TW" dirty="0"/>
+              <a:rPr lang="en-US" altLang="zh-TW" sz="4000" dirty="0"/>
               <a:t>Add Main Controller: /</a:t>
             </a:r>
             <a:r>
-              <a:rPr lang="en-US" altLang="zh-TW" dirty="0" err="1"/>
+              <a:rPr lang="en-US" altLang="zh-TW" sz="4000" dirty="0" err="1"/>
               <a:t>AddMC</a:t>
             </a:r>
             <a:r>
-              <a:rPr lang="en-US" altLang="zh-TW" dirty="0"/>
+              <a:rPr lang="en-US" altLang="zh-TW" sz="4000" dirty="0"/>
               <a:t> [username] [password] [MCID] [username]</a:t>
             </a:r>
-            <a:endParaRPr lang="zh-TW" altLang="zh-TW" dirty="0"/>
-          </a:p>
-          <a:p>
-            <a:pPr lvl="1"/>
-            <a:r>
-              <a:rPr lang="en-US" altLang="zh-TW" dirty="0"/>
+            <a:endParaRPr lang="zh-TW" altLang="zh-TW" sz="4000" dirty="0"/>
+          </a:p>
+          <a:p>
+            <a:pPr lvl="1">
+              <a:buFont typeface="Wingdings" panose="05000000000000000000" pitchFamily="2" charset="2"/>
+              <a:buChar char="u"/>
+            </a:pPr>
+            <a:r>
+              <a:rPr lang="en-US" altLang="zh-TW" sz="4000" dirty="0"/>
               <a:t>par[0] = username</a:t>
             </a:r>
-            <a:endParaRPr lang="zh-TW" altLang="zh-TW" dirty="0"/>
-          </a:p>
-          <a:p>
-            <a:pPr lvl="1"/>
-            <a:r>
-              <a:rPr lang="en-US" altLang="zh-TW" dirty="0"/>
+            <a:endParaRPr lang="zh-TW" altLang="zh-TW" sz="4000" dirty="0"/>
+          </a:p>
+          <a:p>
+            <a:pPr lvl="1">
+              <a:buFont typeface="Wingdings" panose="05000000000000000000" pitchFamily="2" charset="2"/>
+              <a:buChar char="u"/>
+            </a:pPr>
+            <a:r>
+              <a:rPr lang="en-US" altLang="zh-TW" sz="4000" dirty="0"/>
               <a:t>par[1] = password</a:t>
             </a:r>
-            <a:endParaRPr lang="zh-TW" altLang="zh-TW" dirty="0"/>
-          </a:p>
-          <a:p>
-            <a:pPr lvl="1"/>
-            <a:r>
-              <a:rPr lang="en-US" altLang="zh-TW" dirty="0"/>
+            <a:endParaRPr lang="zh-TW" altLang="zh-TW" sz="4000" dirty="0"/>
+          </a:p>
+          <a:p>
+            <a:pPr lvl="1">
+              <a:buFont typeface="Wingdings" panose="05000000000000000000" pitchFamily="2" charset="2"/>
+              <a:buChar char="u"/>
+            </a:pPr>
+            <a:r>
+              <a:rPr lang="en-US" altLang="zh-TW" sz="4000" dirty="0"/>
               <a:t>par[2] = Main Controller ID</a:t>
             </a:r>
-            <a:endParaRPr lang="zh-TW" altLang="zh-TW" dirty="0"/>
-          </a:p>
-          <a:p>
-            <a:pPr lvl="1"/>
-            <a:r>
-              <a:rPr lang="en-US" altLang="zh-TW" dirty="0"/>
+            <a:endParaRPr lang="zh-TW" altLang="zh-TW" sz="4000" dirty="0"/>
+          </a:p>
+          <a:p>
+            <a:pPr lvl="1">
+              <a:buFont typeface="Wingdings" panose="05000000000000000000" pitchFamily="2" charset="2"/>
+              <a:buChar char="u"/>
+            </a:pPr>
+            <a:r>
+              <a:rPr lang="en-US" altLang="zh-TW" sz="4000" dirty="0"/>
               <a:t>par[3] = username</a:t>
             </a:r>
-            <a:endParaRPr lang="zh-TW" altLang="zh-TW" dirty="0"/>
+            <a:endParaRPr lang="zh-TW" altLang="zh-TW" sz="4000" dirty="0"/>
           </a:p>
           <a:p>
             <a:pPr lvl="0"/>
             <a:r>
-              <a:rPr lang="en-US" altLang="zh-TW" dirty="0"/>
+              <a:rPr lang="en-US" altLang="zh-TW" sz="4000" dirty="0"/>
               <a:t>Main Controller Connect: /</a:t>
             </a:r>
             <a:r>
-              <a:rPr lang="en-US" altLang="zh-TW" dirty="0" err="1"/>
+              <a:rPr lang="en-US" altLang="zh-TW" sz="4000" dirty="0" err="1"/>
               <a:t>MCConnect</a:t>
             </a:r>
             <a:r>
-              <a:rPr lang="en-US" altLang="zh-TW" dirty="0"/>
+              <a:rPr lang="en-US" altLang="zh-TW" sz="4000" dirty="0"/>
               <a:t> [MCID]</a:t>
             </a:r>
-            <a:endParaRPr lang="zh-TW" altLang="zh-TW" dirty="0"/>
-          </a:p>
-          <a:p>
-            <a:pPr lvl="1"/>
-            <a:r>
-              <a:rPr lang="en-US" altLang="zh-TW" dirty="0"/>
+            <a:endParaRPr lang="zh-TW" altLang="zh-TW" sz="4000" dirty="0"/>
+          </a:p>
+          <a:p>
+            <a:pPr lvl="1">
+              <a:buFont typeface="Wingdings" panose="05000000000000000000" pitchFamily="2" charset="2"/>
+              <a:buChar char="u"/>
+            </a:pPr>
+            <a:r>
+              <a:rPr lang="en-US" altLang="zh-TW" sz="4000" dirty="0"/>
               <a:t>par[0]= MCID</a:t>
             </a:r>
-            <a:endParaRPr lang="zh-TW" altLang="zh-TW" dirty="0"/>
+            <a:endParaRPr lang="zh-TW" altLang="zh-TW" sz="4000" dirty="0"/>
           </a:p>
           <a:p>
             <a:pPr lvl="0"/>
             <a:r>
-              <a:rPr lang="en-US" altLang="zh-TW" dirty="0"/>
+              <a:rPr lang="en-US" altLang="zh-TW" sz="4000" dirty="0"/>
               <a:t>Control Appliance: /</a:t>
             </a:r>
             <a:r>
-              <a:rPr lang="en-US" altLang="zh-TW" dirty="0" err="1"/>
+              <a:rPr lang="en-US" altLang="zh-TW" sz="4000" dirty="0" err="1"/>
               <a:t>ControlAppliance</a:t>
             </a:r>
             <a:r>
-              <a:rPr lang="en-US" altLang="zh-TW" dirty="0"/>
+              <a:rPr lang="en-US" altLang="zh-TW" sz="4000" dirty="0"/>
               <a:t> [username] [password] [MCID] [Device Type] [Device ID] [</a:t>
             </a:r>
             <a:r>
-              <a:rPr lang="en-US" altLang="zh-TW" dirty="0" err="1"/>
+              <a:rPr lang="en-US" altLang="zh-TW" sz="4000" dirty="0" err="1"/>
               <a:t>cmd</a:t>
             </a:r>
             <a:r>
-              <a:rPr lang="en-US" altLang="zh-TW" dirty="0"/>
+              <a:rPr lang="en-US" altLang="zh-TW" sz="4000" dirty="0"/>
               <a:t>]</a:t>
             </a:r>
-            <a:endParaRPr lang="zh-TW" altLang="zh-TW" dirty="0"/>
-          </a:p>
-          <a:p>
-            <a:pPr lvl="1"/>
-            <a:r>
-              <a:rPr lang="en-US" altLang="zh-TW" dirty="0"/>
+            <a:endParaRPr lang="zh-TW" altLang="zh-TW" sz="4000" dirty="0"/>
+          </a:p>
+          <a:p>
+            <a:pPr lvl="1">
+              <a:buFont typeface="Wingdings" panose="05000000000000000000" pitchFamily="2" charset="2"/>
+              <a:buChar char="u"/>
+            </a:pPr>
+            <a:r>
+              <a:rPr lang="en-US" altLang="zh-TW" sz="4000" dirty="0"/>
               <a:t>par[0] = username</a:t>
             </a:r>
-            <a:endParaRPr lang="zh-TW" altLang="zh-TW" dirty="0"/>
-          </a:p>
-          <a:p>
-            <a:pPr lvl="1"/>
-            <a:r>
-              <a:rPr lang="en-US" altLang="zh-TW" dirty="0"/>
+            <a:endParaRPr lang="zh-TW" altLang="zh-TW" sz="4000" dirty="0"/>
+          </a:p>
+          <a:p>
+            <a:pPr lvl="1">
+              <a:buFont typeface="Wingdings" panose="05000000000000000000" pitchFamily="2" charset="2"/>
+              <a:buChar char="u"/>
+            </a:pPr>
+            <a:r>
+              <a:rPr lang="en-US" altLang="zh-TW" sz="4000" dirty="0"/>
               <a:t>par[1] = password</a:t>
             </a:r>
-            <a:endParaRPr lang="zh-TW" altLang="zh-TW" dirty="0"/>
-          </a:p>
-          <a:p>
-            <a:pPr lvl="1"/>
-            <a:r>
-              <a:rPr lang="en-US" altLang="zh-TW" dirty="0"/>
+            <a:endParaRPr lang="zh-TW" altLang="zh-TW" sz="4000" dirty="0"/>
+          </a:p>
+          <a:p>
+            <a:pPr lvl="1">
+              <a:buFont typeface="Wingdings" panose="05000000000000000000" pitchFamily="2" charset="2"/>
+              <a:buChar char="u"/>
+            </a:pPr>
+            <a:r>
+              <a:rPr lang="en-US" altLang="zh-TW" sz="4000" dirty="0"/>
               <a:t>par[2] = </a:t>
             </a:r>
             <a:r>
-              <a:rPr lang="en-US" altLang="zh-TW" dirty="0" smtClean="0"/>
+              <a:rPr lang="en-US" altLang="zh-TW" sz="4000" dirty="0" smtClean="0"/>
               <a:t>MCID………</a:t>
             </a:r>
-            <a:endParaRPr lang="zh-TW" altLang="zh-TW" dirty="0"/>
+            <a:endParaRPr lang="zh-TW" altLang="zh-TW" sz="4000" dirty="0"/>
           </a:p>
           <a:p>
             <a:endParaRPr lang="zh-TW" altLang="en-US" dirty="0"/>
@@ -3431,23 +3470,7 @@
                   <a:schemeClr val="bg1"/>
                 </a:solidFill>
               </a:rPr>
-              <a:t>Return </a:t>
-            </a:r>
-            <a:r>
-              <a:rPr lang="en-US" altLang="zh-TW" dirty="0">
-                <a:solidFill>
-                  <a:schemeClr val="bg1"/>
-                </a:solidFill>
-              </a:rPr>
-              <a:t>v</a:t>
-            </a:r>
-            <a:r>
-              <a:rPr lang="en-US" altLang="zh-TW" dirty="0">
-                <a:solidFill>
-                  <a:schemeClr val="bg1"/>
-                </a:solidFill>
-              </a:rPr>
-              <a:t>alue meaning</a:t>
+              <a:t>Return value meaning</a:t>
             </a:r>
             <a:endParaRPr lang="zh-TW" altLang="en-US" dirty="0">
               <a:solidFill>
@@ -3475,118 +3498,118 @@
           <a:lstStyle/>
           <a:p>
             <a:r>
-              <a:rPr lang="en-US" altLang="zh-TW" dirty="0"/>
+              <a:rPr lang="en-US" altLang="zh-TW" sz="2900" dirty="0"/>
               <a:t>Server Return Code</a:t>
             </a:r>
-            <a:endParaRPr lang="zh-TW" altLang="zh-TW" dirty="0"/>
+            <a:endParaRPr lang="zh-TW" altLang="zh-TW" sz="2900" dirty="0"/>
           </a:p>
           <a:p>
             <a:pPr lvl="0"/>
             <a:r>
-              <a:rPr lang="en-US" altLang="zh-TW" dirty="0"/>
+              <a:rPr lang="en-US" altLang="zh-TW" sz="2900" dirty="0"/>
               <a:t>R000: Register failure, email exists</a:t>
             </a:r>
-            <a:endParaRPr lang="zh-TW" altLang="zh-TW" dirty="0"/>
+            <a:endParaRPr lang="zh-TW" altLang="zh-TW" sz="2900" dirty="0"/>
           </a:p>
           <a:p>
             <a:pPr lvl="0"/>
             <a:r>
-              <a:rPr lang="en-US" altLang="zh-TW" dirty="0"/>
+              <a:rPr lang="en-US" altLang="zh-TW" sz="2900" dirty="0"/>
               <a:t>R001: Register success</a:t>
             </a:r>
-            <a:endParaRPr lang="zh-TW" altLang="zh-TW" dirty="0"/>
+            <a:endParaRPr lang="zh-TW" altLang="zh-TW" sz="2900" dirty="0"/>
           </a:p>
           <a:p>
             <a:pPr lvl="0"/>
             <a:r>
-              <a:rPr lang="en-US" altLang="zh-TW" dirty="0"/>
+              <a:rPr lang="en-US" altLang="zh-TW" sz="2900" dirty="0"/>
               <a:t>R002: Login Success</a:t>
             </a:r>
-            <a:endParaRPr lang="zh-TW" altLang="zh-TW" dirty="0"/>
+            <a:endParaRPr lang="zh-TW" altLang="zh-TW" sz="2900" dirty="0"/>
           </a:p>
           <a:p>
             <a:pPr lvl="0"/>
             <a:r>
-              <a:rPr lang="en-US" altLang="zh-TW" dirty="0"/>
+              <a:rPr lang="en-US" altLang="zh-TW" sz="2900" dirty="0"/>
               <a:t>R003: Login failure, username not found</a:t>
             </a:r>
-            <a:endParaRPr lang="zh-TW" altLang="zh-TW" dirty="0"/>
+            <a:endParaRPr lang="zh-TW" altLang="zh-TW" sz="2900" dirty="0"/>
           </a:p>
           <a:p>
             <a:pPr lvl="0"/>
             <a:r>
-              <a:rPr lang="en-US" altLang="zh-TW" dirty="0"/>
+              <a:rPr lang="en-US" altLang="zh-TW" sz="2900" dirty="0"/>
               <a:t>R004: Login failure, password incorrect</a:t>
             </a:r>
-            <a:endParaRPr lang="zh-TW" altLang="zh-TW" dirty="0"/>
+            <a:endParaRPr lang="zh-TW" altLang="zh-TW" sz="2900" dirty="0"/>
           </a:p>
           <a:p>
             <a:pPr lvl="0"/>
             <a:r>
-              <a:rPr lang="en-US" altLang="zh-TW" dirty="0"/>
+              <a:rPr lang="en-US" altLang="zh-TW" sz="2900" dirty="0"/>
               <a:t>R005: Add MC success</a:t>
             </a:r>
-            <a:endParaRPr lang="zh-TW" altLang="zh-TW" dirty="0"/>
+            <a:endParaRPr lang="zh-TW" altLang="zh-TW" sz="2900" dirty="0"/>
           </a:p>
           <a:p>
             <a:pPr lvl="0"/>
             <a:r>
-              <a:rPr lang="en-US" altLang="zh-TW" dirty="0"/>
+              <a:rPr lang="en-US" altLang="zh-TW" sz="2900" dirty="0"/>
               <a:t>R006: Add MC failure, ID not exist or controller doesn’t connect to server</a:t>
             </a:r>
-            <a:endParaRPr lang="zh-TW" altLang="zh-TW" dirty="0"/>
+            <a:endParaRPr lang="zh-TW" altLang="zh-TW" sz="2900" dirty="0"/>
           </a:p>
           <a:p>
             <a:pPr lvl="0"/>
             <a:r>
-              <a:rPr lang="en-US" altLang="zh-TW" dirty="0"/>
+              <a:rPr lang="en-US" altLang="zh-TW" sz="2900" dirty="0"/>
               <a:t>R007: Authenticate failure, username or password incorrect</a:t>
             </a:r>
-            <a:endParaRPr lang="zh-TW" altLang="zh-TW" dirty="0"/>
+            <a:endParaRPr lang="zh-TW" altLang="zh-TW" sz="2900" dirty="0"/>
           </a:p>
           <a:p>
             <a:pPr lvl="0"/>
             <a:r>
-              <a:rPr lang="en-US" altLang="zh-TW" dirty="0"/>
+              <a:rPr lang="en-US" altLang="zh-TW" sz="2900" dirty="0"/>
               <a:t>R008: Main Controller connect success</a:t>
             </a:r>
-            <a:endParaRPr lang="zh-TW" altLang="zh-TW" dirty="0"/>
+            <a:endParaRPr lang="zh-TW" altLang="zh-TW" sz="2900" dirty="0"/>
           </a:p>
           <a:p>
             <a:pPr lvl="0"/>
             <a:r>
-              <a:rPr lang="en-US" altLang="zh-TW" dirty="0"/>
+              <a:rPr lang="en-US" altLang="zh-TW" sz="2900" dirty="0"/>
               <a:t>R009: Main Controller connect failure, controller id not found</a:t>
             </a:r>
-            <a:endParaRPr lang="zh-TW" altLang="zh-TW" dirty="0"/>
+            <a:endParaRPr lang="zh-TW" altLang="zh-TW" sz="2900" dirty="0"/>
           </a:p>
           <a:p>
             <a:pPr lvl="0"/>
             <a:r>
-              <a:rPr lang="en-US" altLang="zh-TW" dirty="0"/>
+              <a:rPr lang="en-US" altLang="zh-TW" sz="2900" dirty="0"/>
               <a:t>R010: Command forward success</a:t>
             </a:r>
-            <a:endParaRPr lang="zh-TW" altLang="zh-TW" dirty="0"/>
+            <a:endParaRPr lang="zh-TW" altLang="zh-TW" sz="2900" dirty="0"/>
           </a:p>
           <a:p>
             <a:pPr lvl="0"/>
             <a:r>
-              <a:rPr lang="en-US" altLang="zh-TW" dirty="0"/>
+              <a:rPr lang="en-US" altLang="zh-TW" sz="2900" dirty="0"/>
               <a:t>R011: Command forward failure</a:t>
             </a:r>
-            <a:endParaRPr lang="zh-TW" altLang="zh-TW" dirty="0"/>
+            <a:endParaRPr lang="zh-TW" altLang="zh-TW" sz="2900" dirty="0"/>
           </a:p>
           <a:p>
             <a:pPr lvl="0"/>
             <a:r>
-              <a:rPr lang="en-US" altLang="zh-TW" dirty="0"/>
+              <a:rPr lang="en-US" altLang="zh-TW" sz="2900" dirty="0"/>
               <a:t>R012: Password change success </a:t>
             </a:r>
             <a:r>
-              <a:rPr lang="en-US" altLang="zh-TW" dirty="0" smtClean="0"/>
+              <a:rPr lang="en-US" altLang="zh-TW" sz="2900" dirty="0" smtClean="0"/>
               <a:t>……..</a:t>
             </a:r>
-            <a:endParaRPr lang="zh-TW" altLang="zh-TW" dirty="0"/>
+            <a:endParaRPr lang="zh-TW" altLang="zh-TW" sz="2900" dirty="0"/>
           </a:p>
           <a:p>
             <a:endParaRPr lang="zh-TW" altLang="en-US" dirty="0"/>
@@ -3633,6 +3656,621 @@
             <p:ph type="title"/>
           </p:nvPr>
         </p:nvSpPr>
+        <p:spPr/>
+        <p:txBody>
+          <a:bodyPr>
+            <a:normAutofit/>
+          </a:bodyPr>
+          <a:lstStyle/>
+          <a:p>
+            <a:r>
+              <a:rPr lang="en-US" altLang="zh-TW" dirty="0">
+                <a:solidFill>
+                  <a:schemeClr val="bg1"/>
+                </a:solidFill>
+              </a:rPr>
+              <a:t>System Implementation</a:t>
+            </a:r>
+            <a:endParaRPr lang="zh-TW" altLang="en-US" dirty="0">
+              <a:solidFill>
+                <a:schemeClr val="bg1"/>
+              </a:solidFill>
+            </a:endParaRPr>
+          </a:p>
+        </p:txBody>
+      </p:sp>
+      <p:pic>
+        <p:nvPicPr>
+          <p:cNvPr id="4" name="內容版面配置區 3"/>
+          <p:cNvPicPr>
+            <a:picLocks noGrp="1" noChangeAspect="1"/>
+          </p:cNvPicPr>
+          <p:nvPr>
+            <p:ph idx="1"/>
+          </p:nvPr>
+        </p:nvPicPr>
+        <p:blipFill>
+          <a:blip r:embed="rId2" cstate="print">
+            <a:extLst>
+              <a:ext uri="{28A0092B-C50C-407E-A947-70E740481C1C}">
+                <a14:useLocalDpi xmlns:a14="http://schemas.microsoft.com/office/drawing/2010/main" val="0"/>
+              </a:ext>
+            </a:extLst>
+          </a:blip>
+          <a:stretch>
+            <a:fillRect/>
+          </a:stretch>
+        </p:blipFill>
+        <p:spPr>
+          <a:xfrm>
+            <a:off x="1111491" y="1690688"/>
+            <a:ext cx="2658167" cy="4725631"/>
+          </a:xfrm>
+          <a:prstGeom prst="rect">
+            <a:avLst/>
+          </a:prstGeom>
+          <a:ln>
+            <a:noFill/>
+          </a:ln>
+          <a:effectLst>
+            <a:outerShdw blurRad="292100" dist="139700" dir="2700000" algn="tl" rotWithShape="0">
+              <a:srgbClr val="333333">
+                <a:alpha val="65000"/>
+              </a:srgbClr>
+            </a:outerShdw>
+          </a:effectLst>
+        </p:spPr>
+      </p:pic>
+      <p:pic>
+        <p:nvPicPr>
+          <p:cNvPr id="5" name="圖片 4"/>
+          <p:cNvPicPr>
+            <a:picLocks noChangeAspect="1"/>
+          </p:cNvPicPr>
+          <p:nvPr/>
+        </p:nvPicPr>
+        <p:blipFill>
+          <a:blip r:embed="rId3" cstate="print">
+            <a:extLst>
+              <a:ext uri="{28A0092B-C50C-407E-A947-70E740481C1C}">
+                <a14:useLocalDpi xmlns:a14="http://schemas.microsoft.com/office/drawing/2010/main" val="0"/>
+              </a:ext>
+            </a:extLst>
+          </a:blip>
+          <a:stretch>
+            <a:fillRect/>
+          </a:stretch>
+        </p:blipFill>
+        <p:spPr>
+          <a:xfrm>
+            <a:off x="6316151" y="1690688"/>
+            <a:ext cx="2658167" cy="4725631"/>
+          </a:xfrm>
+          <a:prstGeom prst="rect">
+            <a:avLst/>
+          </a:prstGeom>
+          <a:ln>
+            <a:noFill/>
+          </a:ln>
+          <a:effectLst>
+            <a:outerShdw blurRad="292100" dist="139700" dir="2700000" algn="tl" rotWithShape="0">
+              <a:srgbClr val="333333">
+                <a:alpha val="65000"/>
+              </a:srgbClr>
+            </a:outerShdw>
+          </a:effectLst>
+        </p:spPr>
+      </p:pic>
+      <p:sp>
+        <p:nvSpPr>
+          <p:cNvPr id="6" name="文字方塊 5"/>
+          <p:cNvSpPr txBox="1"/>
+          <p:nvPr/>
+        </p:nvSpPr>
+        <p:spPr>
+          <a:xfrm>
+            <a:off x="3876046" y="6046987"/>
+            <a:ext cx="1250214" cy="369332"/>
+          </a:xfrm>
+          <a:prstGeom prst="rect">
+            <a:avLst/>
+          </a:prstGeom>
+          <a:noFill/>
+        </p:spPr>
+        <p:txBody>
+          <a:bodyPr wrap="none" rtlCol="0">
+            <a:spAutoFit/>
+          </a:bodyPr>
+          <a:lstStyle/>
+          <a:p>
+            <a:r>
+              <a:rPr lang="en-US" altLang="zh-TW" dirty="0" smtClean="0"/>
+              <a:t>Home Page</a:t>
+            </a:r>
+            <a:endParaRPr lang="zh-TW" altLang="en-US" dirty="0"/>
+          </a:p>
+        </p:txBody>
+      </p:sp>
+      <p:sp>
+        <p:nvSpPr>
+          <p:cNvPr id="7" name="文字方塊 6"/>
+          <p:cNvSpPr txBox="1"/>
+          <p:nvPr/>
+        </p:nvSpPr>
+        <p:spPr>
+          <a:xfrm>
+            <a:off x="9227975" y="5688398"/>
+            <a:ext cx="2533719" cy="923330"/>
+          </a:xfrm>
+          <a:prstGeom prst="rect">
+            <a:avLst/>
+          </a:prstGeom>
+          <a:noFill/>
+        </p:spPr>
+        <p:txBody>
+          <a:bodyPr wrap="square" rtlCol="0">
+            <a:spAutoFit/>
+          </a:bodyPr>
+          <a:lstStyle/>
+          <a:p>
+            <a:r>
+              <a:rPr lang="en-US" altLang="zh-TW" dirty="0" smtClean="0"/>
+              <a:t>Login with constraint</a:t>
+            </a:r>
+          </a:p>
+          <a:p>
+            <a:r>
+              <a:rPr lang="en-US" altLang="zh-TW" dirty="0" smtClean="0"/>
+              <a:t>Password is encoded with MD5 encoder</a:t>
+            </a:r>
+            <a:endParaRPr lang="zh-TW" altLang="en-US" dirty="0"/>
+          </a:p>
+        </p:txBody>
+      </p:sp>
+    </p:spTree>
+    <p:extLst>
+      <p:ext uri="{BB962C8B-B14F-4D97-AF65-F5344CB8AC3E}">
+        <p14:creationId xmlns:p14="http://schemas.microsoft.com/office/powerpoint/2010/main" val="1835118714"/>
+      </p:ext>
+    </p:extLst>
+  </p:cSld>
+  <p:clrMapOvr>
+    <a:masterClrMapping/>
+  </p:clrMapOvr>
+</p:sld>
+</file>
+
+<file path=ppt/slides/slide13.xml><?xml version="1.0" encoding="utf-8"?>
+<p:sld xmlns:a="http://schemas.openxmlformats.org/drawingml/2006/main" xmlns:r="http://schemas.openxmlformats.org/officeDocument/2006/relationships" xmlns:p="http://schemas.openxmlformats.org/presentationml/2006/main">
+  <p:cSld>
+    <p:spTree>
+      <p:nvGrpSpPr>
+        <p:cNvPr id="1" name=""/>
+        <p:cNvGrpSpPr/>
+        <p:nvPr/>
+      </p:nvGrpSpPr>
+      <p:grpSpPr>
+        <a:xfrm>
+          <a:off x="0" y="0"/>
+          <a:ext cx="0" cy="0"/>
+          <a:chOff x="0" y="0"/>
+          <a:chExt cx="0" cy="0"/>
+        </a:xfrm>
+      </p:grpSpPr>
+      <p:sp>
+        <p:nvSpPr>
+          <p:cNvPr id="2" name="標題 1"/>
+          <p:cNvSpPr>
+            <a:spLocks noGrp="1"/>
+          </p:cNvSpPr>
+          <p:nvPr>
+            <p:ph type="title"/>
+          </p:nvPr>
+        </p:nvSpPr>
+        <p:spPr/>
+        <p:txBody>
+          <a:bodyPr>
+            <a:normAutofit/>
+          </a:bodyPr>
+          <a:lstStyle/>
+          <a:p>
+            <a:r>
+              <a:rPr lang="en-US" altLang="zh-TW" dirty="0">
+                <a:solidFill>
+                  <a:schemeClr val="bg1"/>
+                </a:solidFill>
+              </a:rPr>
+              <a:t>System Implementation</a:t>
+            </a:r>
+            <a:endParaRPr lang="zh-TW" altLang="en-US" dirty="0">
+              <a:solidFill>
+                <a:schemeClr val="bg1"/>
+              </a:solidFill>
+            </a:endParaRPr>
+          </a:p>
+        </p:txBody>
+      </p:sp>
+      <p:pic>
+        <p:nvPicPr>
+          <p:cNvPr id="4" name="內容版面配置區 3"/>
+          <p:cNvPicPr>
+            <a:picLocks noGrp="1" noChangeAspect="1"/>
+          </p:cNvPicPr>
+          <p:nvPr>
+            <p:ph idx="1"/>
+          </p:nvPr>
+        </p:nvPicPr>
+        <p:blipFill>
+          <a:blip r:embed="rId2" cstate="print">
+            <a:extLst>
+              <a:ext uri="{28A0092B-C50C-407E-A947-70E740481C1C}">
+                <a14:useLocalDpi xmlns:a14="http://schemas.microsoft.com/office/drawing/2010/main" val="0"/>
+              </a:ext>
+            </a:extLst>
+          </a:blip>
+          <a:stretch>
+            <a:fillRect/>
+          </a:stretch>
+        </p:blipFill>
+        <p:spPr>
+          <a:xfrm>
+            <a:off x="838200" y="1915271"/>
+            <a:ext cx="2447627" cy="4351338"/>
+          </a:xfrm>
+          <a:prstGeom prst="rect">
+            <a:avLst/>
+          </a:prstGeom>
+          <a:ln>
+            <a:noFill/>
+          </a:ln>
+          <a:effectLst>
+            <a:outerShdw blurRad="292100" dist="139700" dir="2700000" algn="tl" rotWithShape="0">
+              <a:srgbClr val="333333">
+                <a:alpha val="65000"/>
+              </a:srgbClr>
+            </a:outerShdw>
+          </a:effectLst>
+        </p:spPr>
+      </p:pic>
+      <p:pic>
+        <p:nvPicPr>
+          <p:cNvPr id="5" name="圖片 4"/>
+          <p:cNvPicPr>
+            <a:picLocks noChangeAspect="1"/>
+          </p:cNvPicPr>
+          <p:nvPr/>
+        </p:nvPicPr>
+        <p:blipFill>
+          <a:blip r:embed="rId3" cstate="print">
+            <a:extLst>
+              <a:ext uri="{28A0092B-C50C-407E-A947-70E740481C1C}">
+                <a14:useLocalDpi xmlns:a14="http://schemas.microsoft.com/office/drawing/2010/main" val="0"/>
+              </a:ext>
+            </a:extLst>
+          </a:blip>
+          <a:stretch>
+            <a:fillRect/>
+          </a:stretch>
+        </p:blipFill>
+        <p:spPr>
+          <a:xfrm>
+            <a:off x="5871884" y="1915271"/>
+            <a:ext cx="2653552" cy="4351338"/>
+          </a:xfrm>
+          <a:prstGeom prst="rect">
+            <a:avLst/>
+          </a:prstGeom>
+          <a:ln>
+            <a:noFill/>
+          </a:ln>
+          <a:effectLst>
+            <a:outerShdw blurRad="292100" dist="139700" dir="2700000" algn="tl" rotWithShape="0">
+              <a:srgbClr val="333333">
+                <a:alpha val="65000"/>
+              </a:srgbClr>
+            </a:outerShdw>
+          </a:effectLst>
+        </p:spPr>
+      </p:pic>
+      <p:sp>
+        <p:nvSpPr>
+          <p:cNvPr id="6" name="文字方塊 5"/>
+          <p:cNvSpPr txBox="1"/>
+          <p:nvPr/>
+        </p:nvSpPr>
+        <p:spPr>
+          <a:xfrm>
+            <a:off x="3409882" y="5897277"/>
+            <a:ext cx="1166858" cy="369332"/>
+          </a:xfrm>
+          <a:prstGeom prst="rect">
+            <a:avLst/>
+          </a:prstGeom>
+          <a:noFill/>
+        </p:spPr>
+        <p:txBody>
+          <a:bodyPr wrap="none" rtlCol="0">
+            <a:spAutoFit/>
+          </a:bodyPr>
+          <a:lstStyle/>
+          <a:p>
+            <a:r>
+              <a:rPr lang="en-US" altLang="zh-TW" dirty="0" smtClean="0"/>
+              <a:t>Main Page</a:t>
+            </a:r>
+            <a:endParaRPr lang="zh-TW" altLang="en-US" dirty="0"/>
+          </a:p>
+        </p:txBody>
+      </p:sp>
+      <p:sp>
+        <p:nvSpPr>
+          <p:cNvPr id="7" name="文字方塊 6"/>
+          <p:cNvSpPr txBox="1"/>
+          <p:nvPr/>
+        </p:nvSpPr>
+        <p:spPr>
+          <a:xfrm>
+            <a:off x="8824566" y="5620278"/>
+            <a:ext cx="2641294" cy="646331"/>
+          </a:xfrm>
+          <a:prstGeom prst="rect">
+            <a:avLst/>
+          </a:prstGeom>
+          <a:noFill/>
+        </p:spPr>
+        <p:txBody>
+          <a:bodyPr wrap="square" rtlCol="0">
+            <a:spAutoFit/>
+          </a:bodyPr>
+          <a:lstStyle/>
+          <a:p>
+            <a:r>
+              <a:rPr lang="en-US" altLang="zh-TW" dirty="0" smtClean="0"/>
+              <a:t>Appliance with function setting</a:t>
+            </a:r>
+            <a:endParaRPr lang="zh-TW" altLang="en-US" dirty="0"/>
+          </a:p>
+        </p:txBody>
+      </p:sp>
+    </p:spTree>
+    <p:extLst>
+      <p:ext uri="{BB962C8B-B14F-4D97-AF65-F5344CB8AC3E}">
+        <p14:creationId xmlns:p14="http://schemas.microsoft.com/office/powerpoint/2010/main" val="2538600706"/>
+      </p:ext>
+    </p:extLst>
+  </p:cSld>
+  <p:clrMapOvr>
+    <a:masterClrMapping/>
+  </p:clrMapOvr>
+</p:sld>
+</file>
+
+<file path=ppt/slides/slide14.xml><?xml version="1.0" encoding="utf-8"?>
+<p:sld xmlns:a="http://schemas.openxmlformats.org/drawingml/2006/main" xmlns:r="http://schemas.openxmlformats.org/officeDocument/2006/relationships" xmlns:p="http://schemas.openxmlformats.org/presentationml/2006/main">
+  <p:cSld>
+    <p:spTree>
+      <p:nvGrpSpPr>
+        <p:cNvPr id="1" name=""/>
+        <p:cNvGrpSpPr/>
+        <p:nvPr/>
+      </p:nvGrpSpPr>
+      <p:grpSpPr>
+        <a:xfrm>
+          <a:off x="0" y="0"/>
+          <a:ext cx="0" cy="0"/>
+          <a:chOff x="0" y="0"/>
+          <a:chExt cx="0" cy="0"/>
+        </a:xfrm>
+      </p:grpSpPr>
+      <p:sp>
+        <p:nvSpPr>
+          <p:cNvPr id="2" name="標題 1"/>
+          <p:cNvSpPr>
+            <a:spLocks noGrp="1"/>
+          </p:cNvSpPr>
+          <p:nvPr>
+            <p:ph type="title"/>
+          </p:nvPr>
+        </p:nvSpPr>
+        <p:spPr/>
+        <p:txBody>
+          <a:bodyPr/>
+          <a:lstStyle/>
+          <a:p>
+            <a:r>
+              <a:rPr lang="en-US" altLang="zh-TW" dirty="0">
+                <a:solidFill>
+                  <a:schemeClr val="bg1"/>
+                </a:solidFill>
+              </a:rPr>
+              <a:t>System Implementation</a:t>
+            </a:r>
+            <a:endParaRPr lang="zh-TW" altLang="en-US" dirty="0"/>
+          </a:p>
+        </p:txBody>
+      </p:sp>
+      <p:pic>
+        <p:nvPicPr>
+          <p:cNvPr id="4" name="內容版面配置區 3"/>
+          <p:cNvPicPr>
+            <a:picLocks noGrp="1" noChangeAspect="1"/>
+          </p:cNvPicPr>
+          <p:nvPr>
+            <p:ph idx="1"/>
+          </p:nvPr>
+        </p:nvPicPr>
+        <p:blipFill>
+          <a:blip r:embed="rId2" cstate="print">
+            <a:extLst>
+              <a:ext uri="{28A0092B-C50C-407E-A947-70E740481C1C}">
+                <a14:useLocalDpi xmlns:a14="http://schemas.microsoft.com/office/drawing/2010/main" val="0"/>
+              </a:ext>
+            </a:extLst>
+          </a:blip>
+          <a:stretch>
+            <a:fillRect/>
+          </a:stretch>
+        </p:blipFill>
+        <p:spPr>
+          <a:xfrm>
+            <a:off x="6288611" y="1690688"/>
+            <a:ext cx="2765743" cy="4916878"/>
+          </a:xfrm>
+          <a:prstGeom prst="rect">
+            <a:avLst/>
+          </a:prstGeom>
+          <a:ln>
+            <a:noFill/>
+          </a:ln>
+          <a:effectLst>
+            <a:outerShdw blurRad="292100" dist="139700" dir="2700000" algn="tl" rotWithShape="0">
+              <a:srgbClr val="333333">
+                <a:alpha val="65000"/>
+              </a:srgbClr>
+            </a:outerShdw>
+          </a:effectLst>
+        </p:spPr>
+      </p:pic>
+      <p:pic>
+        <p:nvPicPr>
+          <p:cNvPr id="5" name="圖片 4"/>
+          <p:cNvPicPr>
+            <a:picLocks noChangeAspect="1"/>
+          </p:cNvPicPr>
+          <p:nvPr/>
+        </p:nvPicPr>
+        <p:blipFill>
+          <a:blip r:embed="rId3" cstate="print">
+            <a:extLst>
+              <a:ext uri="{28A0092B-C50C-407E-A947-70E740481C1C}">
+                <a14:useLocalDpi xmlns:a14="http://schemas.microsoft.com/office/drawing/2010/main" val="0"/>
+              </a:ext>
+            </a:extLst>
+          </a:blip>
+          <a:stretch>
+            <a:fillRect/>
+          </a:stretch>
+        </p:blipFill>
+        <p:spPr>
+          <a:xfrm>
+            <a:off x="670953" y="1690688"/>
+            <a:ext cx="2765744" cy="4916878"/>
+          </a:xfrm>
+          <a:prstGeom prst="rect">
+            <a:avLst/>
+          </a:prstGeom>
+          <a:ln>
+            <a:noFill/>
+          </a:ln>
+          <a:effectLst>
+            <a:outerShdw blurRad="292100" dist="139700" dir="2700000" algn="tl" rotWithShape="0">
+              <a:srgbClr val="333333">
+                <a:alpha val="65000"/>
+              </a:srgbClr>
+            </a:outerShdw>
+          </a:effectLst>
+        </p:spPr>
+      </p:pic>
+      <p:sp>
+        <p:nvSpPr>
+          <p:cNvPr id="6" name="文字方塊 5"/>
+          <p:cNvSpPr txBox="1"/>
+          <p:nvPr/>
+        </p:nvSpPr>
+        <p:spPr>
+          <a:xfrm>
+            <a:off x="3436697" y="6238234"/>
+            <a:ext cx="2237962" cy="369332"/>
+          </a:xfrm>
+          <a:prstGeom prst="rect">
+            <a:avLst/>
+          </a:prstGeom>
+          <a:noFill/>
+        </p:spPr>
+        <p:txBody>
+          <a:bodyPr wrap="square" rtlCol="0">
+            <a:spAutoFit/>
+          </a:bodyPr>
+          <a:lstStyle/>
+          <a:p>
+            <a:r>
+              <a:rPr lang="en-US" altLang="zh-TW" dirty="0" smtClean="0"/>
+              <a:t>Add new appliance</a:t>
+            </a:r>
+            <a:endParaRPr lang="zh-TW" altLang="en-US" dirty="0"/>
+          </a:p>
+        </p:txBody>
+      </p:sp>
+      <p:sp>
+        <p:nvSpPr>
+          <p:cNvPr id="7" name="文字方塊 6"/>
+          <p:cNvSpPr txBox="1"/>
+          <p:nvPr/>
+        </p:nvSpPr>
+        <p:spPr>
+          <a:xfrm>
+            <a:off x="9196519" y="5961235"/>
+            <a:ext cx="2403809" cy="646331"/>
+          </a:xfrm>
+          <a:prstGeom prst="rect">
+            <a:avLst/>
+          </a:prstGeom>
+          <a:noFill/>
+        </p:spPr>
+        <p:txBody>
+          <a:bodyPr wrap="square" rtlCol="0">
+            <a:spAutoFit/>
+          </a:bodyPr>
+          <a:lstStyle/>
+          <a:p>
+            <a:r>
+              <a:rPr lang="en-US" altLang="zh-TW" dirty="0" smtClean="0"/>
+              <a:t>GPS Locator tracks user position</a:t>
+            </a:r>
+            <a:endParaRPr lang="zh-TW" altLang="en-US" dirty="0"/>
+          </a:p>
+        </p:txBody>
+      </p:sp>
+    </p:spTree>
+    <p:extLst>
+      <p:ext uri="{BB962C8B-B14F-4D97-AF65-F5344CB8AC3E}">
+        <p14:creationId xmlns:p14="http://schemas.microsoft.com/office/powerpoint/2010/main" val="724474851"/>
+      </p:ext>
+    </p:extLst>
+  </p:cSld>
+  <p:clrMapOvr>
+    <a:masterClrMapping/>
+  </p:clrMapOvr>
+</p:sld>
+</file>
+
+<file path=ppt/slides/slide15.xml><?xml version="1.0" encoding="utf-8"?>
+<p:sld xmlns:a="http://schemas.openxmlformats.org/drawingml/2006/main" xmlns:r="http://schemas.openxmlformats.org/officeDocument/2006/relationships" xmlns:p="http://schemas.openxmlformats.org/presentationml/2006/main">
+  <p:cSld>
+    <p:spTree>
+      <p:nvGrpSpPr>
+        <p:cNvPr id="1" name=""/>
+        <p:cNvGrpSpPr/>
+        <p:nvPr/>
+      </p:nvGrpSpPr>
+      <p:grpSpPr>
+        <a:xfrm>
+          <a:off x="0" y="0"/>
+          <a:ext cx="0" cy="0"/>
+          <a:chOff x="0" y="0"/>
+          <a:chExt cx="0" cy="0"/>
+        </a:xfrm>
+      </p:grpSpPr>
+      <p:sp>
+        <p:nvSpPr>
+          <p:cNvPr id="2" name="標題 1"/>
+          <p:cNvSpPr>
+            <a:spLocks noGrp="1"/>
+          </p:cNvSpPr>
+          <p:nvPr>
+            <p:ph type="title"/>
+          </p:nvPr>
+        </p:nvSpPr>
         <p:spPr>
           <a:xfrm>
             <a:off x="820270" y="2812490"/>
@@ -3930,8 +4568,8 @@
         </p:blipFill>
         <p:spPr>
           <a:xfrm>
-            <a:off x="0" y="1846446"/>
-            <a:ext cx="12187321" cy="3821457"/>
+            <a:off x="80682" y="1871745"/>
+            <a:ext cx="12106639" cy="3796158"/>
           </a:xfrm>
         </p:spPr>
       </p:pic>
@@ -4098,7 +4736,33 @@
           <a:bodyPr/>
           <a:lstStyle/>
           <a:p>
-            <a:endParaRPr lang="zh-TW" altLang="en-US"/>
+            <a:pPr marL="514350" indent="-514350">
+              <a:buFont typeface="+mj-lt"/>
+              <a:buAutoNum type="arabicPeriod"/>
+            </a:pPr>
+            <a:r>
+              <a:rPr lang="en-US" altLang="zh-TW" dirty="0" smtClean="0"/>
+              <a:t>Abstract Factory </a:t>
+            </a:r>
+          </a:p>
+          <a:p>
+            <a:pPr lvl="1"/>
+            <a:endParaRPr lang="en-US" altLang="zh-TW" dirty="0" smtClean="0"/>
+          </a:p>
+          <a:p>
+            <a:pPr marL="514350" indent="-514350">
+              <a:buFont typeface="+mj-lt"/>
+              <a:buAutoNum type="arabicPeriod"/>
+            </a:pPr>
+            <a:r>
+              <a:rPr lang="en-US" altLang="zh-TW" dirty="0" smtClean="0"/>
+              <a:t>Observer </a:t>
+            </a:r>
+            <a:r>
+              <a:rPr lang="en-US" altLang="zh-TW" dirty="0"/>
+              <a:t>pattern</a:t>
+            </a:r>
+            <a:endParaRPr lang="zh-TW" altLang="en-US" dirty="0"/>
           </a:p>
         </p:txBody>
       </p:sp>
@@ -4268,6 +4932,10 @@
           <a:bodyPr/>
           <a:lstStyle/>
           <a:p>
+            <a:pPr marL="514350" indent="-514350">
+              <a:buFont typeface="+mj-lt"/>
+              <a:buAutoNum type="arabicPeriod"/>
+            </a:pPr>
             <a:r>
               <a:rPr lang="en-US" altLang="zh-TW" dirty="0" smtClean="0"/>
               <a:t>Factory Pattern</a:t>
@@ -4280,7 +4948,7 @@
             </a:pPr>
             <a:r>
               <a:rPr lang="en-US" altLang="zh-TW" dirty="0" err="1" smtClean="0"/>
-              <a:t>UserTableCreatoCreator</a:t>
+              <a:t>UserTableCreator</a:t>
             </a:r>
             <a:endParaRPr lang="en-US" altLang="zh-TW" dirty="0" smtClean="0"/>
           </a:p>
@@ -4471,6 +5139,10 @@
           <a:bodyPr/>
           <a:lstStyle/>
           <a:p>
+            <a:pPr marL="514350" indent="-514350">
+              <a:buFont typeface="+mj-lt"/>
+              <a:buAutoNum type="arabicPeriod"/>
+            </a:pPr>
             <a:r>
               <a:rPr lang="en-US" altLang="zh-TW" dirty="0" smtClean="0"/>
               <a:t>Iterator pattern</a:t>

--- a/diagrams and requirements/SIMPLE LIFE.pptx
+++ b/diagrams and requirements/SIMPLE LIFE.pptx
@@ -4641,25 +4641,35 @@
           </a:p>
         </p:txBody>
       </p:sp>
-      <p:sp>
-        <p:nvSpPr>
-          <p:cNvPr id="3" name="內容版面配置區 2"/>
-          <p:cNvSpPr>
-            <a:spLocks noGrp="1"/>
-          </p:cNvSpPr>
+      <p:pic>
+        <p:nvPicPr>
+          <p:cNvPr id="4" name="內容版面配置區 3"/>
+          <p:cNvPicPr>
+            <a:picLocks noGrp="1" noChangeAspect="1"/>
+          </p:cNvPicPr>
           <p:nvPr>
             <p:ph idx="1"/>
           </p:nvPr>
-        </p:nvSpPr>
-        <p:spPr/>
-        <p:txBody>
-          <a:bodyPr/>
-          <a:lstStyle/>
-          <a:p>
-            <a:endParaRPr lang="zh-TW" altLang="en-US"/>
-          </a:p>
-        </p:txBody>
-      </p:sp>
+        </p:nvPicPr>
+        <p:blipFill>
+          <a:blip r:embed="rId2" cstate="print">
+            <a:extLst>
+              <a:ext uri="{28A0092B-C50C-407E-A947-70E740481C1C}">
+                <a14:useLocalDpi xmlns:a14="http://schemas.microsoft.com/office/drawing/2010/main" val="0"/>
+              </a:ext>
+            </a:extLst>
+          </a:blip>
+          <a:stretch>
+            <a:fillRect/>
+          </a:stretch>
+        </p:blipFill>
+        <p:spPr>
+          <a:xfrm>
+            <a:off x="681318" y="1449531"/>
+            <a:ext cx="9861175" cy="5247385"/>
+          </a:xfrm>
+        </p:spPr>
+      </p:pic>
     </p:spTree>
     <p:extLst>
       <p:ext uri="{BB962C8B-B14F-4D97-AF65-F5344CB8AC3E}">
@@ -5101,20 +5111,12 @@
           <a:lstStyle/>
           <a:p>
             <a:r>
-              <a:rPr lang="en-US" altLang="zh-TW" smtClean="0">
-                <a:solidFill>
-                  <a:schemeClr val="bg1"/>
-                </a:solidFill>
-              </a:rPr>
-              <a:t>Main controller </a:t>
-            </a:r>
-            <a:r>
               <a:rPr lang="en-US" altLang="zh-TW" dirty="0" smtClean="0">
                 <a:solidFill>
                   <a:schemeClr val="bg1"/>
                 </a:solidFill>
               </a:rPr>
-              <a:t>code</a:t>
+              <a:t>Main controller code</a:t>
             </a:r>
             <a:endParaRPr lang="zh-TW" altLang="en-US" dirty="0">
               <a:solidFill>

--- a/diagrams and requirements/SIMPLE LIFE.pptx
+++ b/diagrams and requirements/SIMPLE LIFE.pptx
@@ -19,7 +19,8 @@
     <p:sldId id="271" r:id="rId13"/>
     <p:sldId id="272" r:id="rId14"/>
     <p:sldId id="273" r:id="rId15"/>
-    <p:sldId id="270" r:id="rId16"/>
+    <p:sldId id="275" r:id="rId16"/>
+    <p:sldId id="270" r:id="rId17"/>
   </p:sldIdLst>
   <p:sldSz cx="12192000" cy="6858000"/>
   <p:notesSz cx="6858000" cy="9144000"/>
@@ -257,7 +258,7 @@
           <a:p>
             <a:fld id="{43B84467-D95D-4DBD-A5FF-DC1D4E2E991E}" type="datetimeFigureOut">
               <a:rPr lang="zh-TW" altLang="en-US" smtClean="0"/>
-              <a:t>2015/6/23</a:t>
+              <a:t>2015/6/30</a:t>
             </a:fld>
             <a:endParaRPr lang="zh-TW" altLang="en-US"/>
           </a:p>
@@ -427,7 +428,7 @@
           <a:p>
             <a:fld id="{43B84467-D95D-4DBD-A5FF-DC1D4E2E991E}" type="datetimeFigureOut">
               <a:rPr lang="zh-TW" altLang="en-US" smtClean="0"/>
-              <a:t>2015/6/23</a:t>
+              <a:t>2015/6/30</a:t>
             </a:fld>
             <a:endParaRPr lang="zh-TW" altLang="en-US"/>
           </a:p>
@@ -607,7 +608,7 @@
           <a:p>
             <a:fld id="{43B84467-D95D-4DBD-A5FF-DC1D4E2E991E}" type="datetimeFigureOut">
               <a:rPr lang="zh-TW" altLang="en-US" smtClean="0"/>
-              <a:t>2015/6/23</a:t>
+              <a:t>2015/6/30</a:t>
             </a:fld>
             <a:endParaRPr lang="zh-TW" altLang="en-US"/>
           </a:p>
@@ -777,7 +778,7 @@
           <a:p>
             <a:fld id="{43B84467-D95D-4DBD-A5FF-DC1D4E2E991E}" type="datetimeFigureOut">
               <a:rPr lang="zh-TW" altLang="en-US" smtClean="0"/>
-              <a:t>2015/6/23</a:t>
+              <a:t>2015/6/30</a:t>
             </a:fld>
             <a:endParaRPr lang="zh-TW" altLang="en-US"/>
           </a:p>
@@ -1023,7 +1024,7 @@
           <a:p>
             <a:fld id="{43B84467-D95D-4DBD-A5FF-DC1D4E2E991E}" type="datetimeFigureOut">
               <a:rPr lang="zh-TW" altLang="en-US" smtClean="0"/>
-              <a:t>2015/6/23</a:t>
+              <a:t>2015/6/30</a:t>
             </a:fld>
             <a:endParaRPr lang="zh-TW" altLang="en-US"/>
           </a:p>
@@ -1255,7 +1256,7 @@
           <a:p>
             <a:fld id="{43B84467-D95D-4DBD-A5FF-DC1D4E2E991E}" type="datetimeFigureOut">
               <a:rPr lang="zh-TW" altLang="en-US" smtClean="0"/>
-              <a:t>2015/6/23</a:t>
+              <a:t>2015/6/30</a:t>
             </a:fld>
             <a:endParaRPr lang="zh-TW" altLang="en-US"/>
           </a:p>
@@ -1622,7 +1623,7 @@
           <a:p>
             <a:fld id="{43B84467-D95D-4DBD-A5FF-DC1D4E2E991E}" type="datetimeFigureOut">
               <a:rPr lang="zh-TW" altLang="en-US" smtClean="0"/>
-              <a:t>2015/6/23</a:t>
+              <a:t>2015/6/30</a:t>
             </a:fld>
             <a:endParaRPr lang="zh-TW" altLang="en-US"/>
           </a:p>
@@ -1740,7 +1741,7 @@
           <a:p>
             <a:fld id="{43B84467-D95D-4DBD-A5FF-DC1D4E2E991E}" type="datetimeFigureOut">
               <a:rPr lang="zh-TW" altLang="en-US" smtClean="0"/>
-              <a:t>2015/6/23</a:t>
+              <a:t>2015/6/30</a:t>
             </a:fld>
             <a:endParaRPr lang="zh-TW" altLang="en-US"/>
           </a:p>
@@ -1835,7 +1836,7 @@
           <a:p>
             <a:fld id="{43B84467-D95D-4DBD-A5FF-DC1D4E2E991E}" type="datetimeFigureOut">
               <a:rPr lang="zh-TW" altLang="en-US" smtClean="0"/>
-              <a:t>2015/6/23</a:t>
+              <a:t>2015/6/30</a:t>
             </a:fld>
             <a:endParaRPr lang="zh-TW" altLang="en-US"/>
           </a:p>
@@ -2112,7 +2113,7 @@
           <a:p>
             <a:fld id="{43B84467-D95D-4DBD-A5FF-DC1D4E2E991E}" type="datetimeFigureOut">
               <a:rPr lang="zh-TW" altLang="en-US" smtClean="0"/>
-              <a:t>2015/6/23</a:t>
+              <a:t>2015/6/30</a:t>
             </a:fld>
             <a:endParaRPr lang="zh-TW" altLang="en-US"/>
           </a:p>
@@ -2365,7 +2366,7 @@
           <a:p>
             <a:fld id="{43B84467-D95D-4DBD-A5FF-DC1D4E2E991E}" type="datetimeFigureOut">
               <a:rPr lang="zh-TW" altLang="en-US" smtClean="0"/>
-              <a:t>2015/6/23</a:t>
+              <a:t>2015/6/30</a:t>
             </a:fld>
             <a:endParaRPr lang="zh-TW" altLang="en-US"/>
           </a:p>
@@ -2581,7 +2582,7 @@
           <a:p>
             <a:fld id="{43B84467-D95D-4DBD-A5FF-DC1D4E2E991E}" type="datetimeFigureOut">
               <a:rPr lang="zh-TW" altLang="en-US" smtClean="0"/>
-              <a:t>2015/6/23</a:t>
+              <a:t>2015/6/30</a:t>
             </a:fld>
             <a:endParaRPr lang="zh-TW" altLang="en-US"/>
           </a:p>
@@ -4271,6 +4272,115 @@
             <p:ph type="title"/>
           </p:nvPr>
         </p:nvSpPr>
+        <p:spPr/>
+        <p:txBody>
+          <a:bodyPr/>
+          <a:lstStyle/>
+          <a:p>
+            <a:r>
+              <a:rPr lang="en-US" altLang="zh-TW" dirty="0">
+                <a:solidFill>
+                  <a:schemeClr val="bg1"/>
+                </a:solidFill>
+              </a:rPr>
+              <a:t>System Implementation</a:t>
+            </a:r>
+            <a:endParaRPr lang="zh-TW" altLang="en-US" dirty="0"/>
+          </a:p>
+        </p:txBody>
+      </p:sp>
+      <p:sp>
+        <p:nvSpPr>
+          <p:cNvPr id="3" name="內容版面配置區 2"/>
+          <p:cNvSpPr>
+            <a:spLocks noGrp="1"/>
+          </p:cNvSpPr>
+          <p:nvPr>
+            <p:ph idx="1"/>
+          </p:nvPr>
+        </p:nvSpPr>
+        <p:spPr/>
+        <p:txBody>
+          <a:bodyPr/>
+          <a:lstStyle/>
+          <a:p>
+            <a:r>
+              <a:rPr lang="en-US" altLang="zh-TW" dirty="0" smtClean="0"/>
+              <a:t>Scheduler - time setting</a:t>
+            </a:r>
+          </a:p>
+          <a:p>
+            <a:r>
+              <a:rPr lang="en-US" altLang="zh-TW" dirty="0" smtClean="0"/>
+              <a:t>Save energy</a:t>
+            </a:r>
+          </a:p>
+          <a:p>
+            <a:r>
+              <a:rPr lang="en-US" altLang="zh-TW" dirty="0" smtClean="0"/>
+              <a:t>Device info table</a:t>
+            </a:r>
+          </a:p>
+          <a:p>
+            <a:r>
+              <a:rPr lang="en-US" altLang="zh-TW" dirty="0" smtClean="0"/>
+              <a:t>Main Controller can save history(iterator)</a:t>
+            </a:r>
+          </a:p>
+          <a:p>
+            <a:r>
+              <a:rPr lang="en-US" altLang="zh-TW" dirty="0" smtClean="0"/>
+              <a:t>Using socket to connect Arduino and main controller</a:t>
+            </a:r>
+          </a:p>
+          <a:p>
+            <a:endParaRPr lang="en-US" altLang="zh-TW" dirty="0" smtClean="0"/>
+          </a:p>
+          <a:p>
+            <a:endParaRPr lang="zh-TW" altLang="en-US" dirty="0"/>
+          </a:p>
+        </p:txBody>
+      </p:sp>
+    </p:spTree>
+    <p:extLst>
+      <p:ext uri="{BB962C8B-B14F-4D97-AF65-F5344CB8AC3E}">
+        <p14:creationId xmlns:p14="http://schemas.microsoft.com/office/powerpoint/2010/main" val="460229038"/>
+      </p:ext>
+    </p:extLst>
+  </p:cSld>
+  <p:clrMapOvr>
+    <a:masterClrMapping/>
+  </p:clrMapOvr>
+</p:sld>
+</file>
+
+<file path=ppt/slides/slide16.xml><?xml version="1.0" encoding="utf-8"?>
+<p:sld xmlns:a="http://schemas.openxmlformats.org/drawingml/2006/main" xmlns:r="http://schemas.openxmlformats.org/officeDocument/2006/relationships" xmlns:p="http://schemas.openxmlformats.org/presentationml/2006/main">
+  <p:cSld>
+    <p:spTree>
+      <p:nvGrpSpPr>
+        <p:cNvPr id="1" name=""/>
+        <p:cNvGrpSpPr/>
+        <p:nvPr/>
+      </p:nvGrpSpPr>
+      <p:grpSpPr>
+        <a:xfrm>
+          <a:off x="0" y="0"/>
+          <a:ext cx="0" cy="0"/>
+          <a:chOff x="0" y="0"/>
+          <a:chExt cx="0" cy="0"/>
+        </a:xfrm>
+      </p:grpSpPr>
+      <p:sp>
+        <p:nvSpPr>
+          <p:cNvPr id="2" name="標題 1"/>
+          <p:cNvSpPr>
+            <a:spLocks noGrp="1"/>
+          </p:cNvSpPr>
+          <p:nvPr>
+            <p:ph type="title"/>
+          </p:nvPr>
+        </p:nvSpPr>
         <p:spPr>
           <a:xfrm>
             <a:off x="820270" y="2812490"/>

--- a/diagrams and requirements/SIMPLE LIFE.pptx
+++ b/diagrams and requirements/SIMPLE LIFE.pptx
@@ -4337,6 +4337,9 @@
             <a:endParaRPr lang="en-US" altLang="zh-TW" dirty="0" smtClean="0"/>
           </a:p>
           <a:p>
+            <a:endParaRPr lang="en-US" altLang="zh-TW" dirty="0" smtClean="0"/>
+          </a:p>
+          <a:p>
             <a:endParaRPr lang="zh-TW" altLang="en-US" dirty="0"/>
           </a:p>
         </p:txBody>

--- a/diagrams and requirements/SIMPLE LIFE.pptx
+++ b/diagrams and requirements/SIMPLE LIFE.pptx
@@ -258,7 +258,7 @@
           <a:p>
             <a:fld id="{43B84467-D95D-4DBD-A5FF-DC1D4E2E991E}" type="datetimeFigureOut">
               <a:rPr lang="zh-TW" altLang="en-US" smtClean="0"/>
-              <a:t>2015/6/30</a:t>
+              <a:t>2015/7/1</a:t>
             </a:fld>
             <a:endParaRPr lang="zh-TW" altLang="en-US"/>
           </a:p>
@@ -428,7 +428,7 @@
           <a:p>
             <a:fld id="{43B84467-D95D-4DBD-A5FF-DC1D4E2E991E}" type="datetimeFigureOut">
               <a:rPr lang="zh-TW" altLang="en-US" smtClean="0"/>
-              <a:t>2015/6/30</a:t>
+              <a:t>2015/7/1</a:t>
             </a:fld>
             <a:endParaRPr lang="zh-TW" altLang="en-US"/>
           </a:p>
@@ -608,7 +608,7 @@
           <a:p>
             <a:fld id="{43B84467-D95D-4DBD-A5FF-DC1D4E2E991E}" type="datetimeFigureOut">
               <a:rPr lang="zh-TW" altLang="en-US" smtClean="0"/>
-              <a:t>2015/6/30</a:t>
+              <a:t>2015/7/1</a:t>
             </a:fld>
             <a:endParaRPr lang="zh-TW" altLang="en-US"/>
           </a:p>
@@ -778,7 +778,7 @@
           <a:p>
             <a:fld id="{43B84467-D95D-4DBD-A5FF-DC1D4E2E991E}" type="datetimeFigureOut">
               <a:rPr lang="zh-TW" altLang="en-US" smtClean="0"/>
-              <a:t>2015/6/30</a:t>
+              <a:t>2015/7/1</a:t>
             </a:fld>
             <a:endParaRPr lang="zh-TW" altLang="en-US"/>
           </a:p>
@@ -1024,7 +1024,7 @@
           <a:p>
             <a:fld id="{43B84467-D95D-4DBD-A5FF-DC1D4E2E991E}" type="datetimeFigureOut">
               <a:rPr lang="zh-TW" altLang="en-US" smtClean="0"/>
-              <a:t>2015/6/30</a:t>
+              <a:t>2015/7/1</a:t>
             </a:fld>
             <a:endParaRPr lang="zh-TW" altLang="en-US"/>
           </a:p>
@@ -1256,7 +1256,7 @@
           <a:p>
             <a:fld id="{43B84467-D95D-4DBD-A5FF-DC1D4E2E991E}" type="datetimeFigureOut">
               <a:rPr lang="zh-TW" altLang="en-US" smtClean="0"/>
-              <a:t>2015/6/30</a:t>
+              <a:t>2015/7/1</a:t>
             </a:fld>
             <a:endParaRPr lang="zh-TW" altLang="en-US"/>
           </a:p>
@@ -1623,7 +1623,7 @@
           <a:p>
             <a:fld id="{43B84467-D95D-4DBD-A5FF-DC1D4E2E991E}" type="datetimeFigureOut">
               <a:rPr lang="zh-TW" altLang="en-US" smtClean="0"/>
-              <a:t>2015/6/30</a:t>
+              <a:t>2015/7/1</a:t>
             </a:fld>
             <a:endParaRPr lang="zh-TW" altLang="en-US"/>
           </a:p>
@@ -1741,7 +1741,7 @@
           <a:p>
             <a:fld id="{43B84467-D95D-4DBD-A5FF-DC1D4E2E991E}" type="datetimeFigureOut">
               <a:rPr lang="zh-TW" altLang="en-US" smtClean="0"/>
-              <a:t>2015/6/30</a:t>
+              <a:t>2015/7/1</a:t>
             </a:fld>
             <a:endParaRPr lang="zh-TW" altLang="en-US"/>
           </a:p>
@@ -1836,7 +1836,7 @@
           <a:p>
             <a:fld id="{43B84467-D95D-4DBD-A5FF-DC1D4E2E991E}" type="datetimeFigureOut">
               <a:rPr lang="zh-TW" altLang="en-US" smtClean="0"/>
-              <a:t>2015/6/30</a:t>
+              <a:t>2015/7/1</a:t>
             </a:fld>
             <a:endParaRPr lang="zh-TW" altLang="en-US"/>
           </a:p>
@@ -2113,7 +2113,7 @@
           <a:p>
             <a:fld id="{43B84467-D95D-4DBD-A5FF-DC1D4E2E991E}" type="datetimeFigureOut">
               <a:rPr lang="zh-TW" altLang="en-US" smtClean="0"/>
-              <a:t>2015/6/30</a:t>
+              <a:t>2015/7/1</a:t>
             </a:fld>
             <a:endParaRPr lang="zh-TW" altLang="en-US"/>
           </a:p>
@@ -2366,7 +2366,7 @@
           <a:p>
             <a:fld id="{43B84467-D95D-4DBD-A5FF-DC1D4E2E991E}" type="datetimeFigureOut">
               <a:rPr lang="zh-TW" altLang="en-US" smtClean="0"/>
-              <a:t>2015/6/30</a:t>
+              <a:t>2015/7/1</a:t>
             </a:fld>
             <a:endParaRPr lang="zh-TW" altLang="en-US"/>
           </a:p>
@@ -2582,7 +2582,7 @@
           <a:p>
             <a:fld id="{43B84467-D95D-4DBD-A5FF-DC1D4E2E991E}" type="datetimeFigureOut">
               <a:rPr lang="zh-TW" altLang="en-US" smtClean="0"/>
-              <a:t>2015/6/30</a:t>
+              <a:t>2015/7/1</a:t>
             </a:fld>
             <a:endParaRPr lang="zh-TW" altLang="en-US"/>
           </a:p>
@@ -4324,7 +4324,23 @@
           <a:p>
             <a:r>
               <a:rPr lang="en-US" altLang="zh-TW" dirty="0" smtClean="0"/>
-              <a:t>Main Controller can save history(iterator)</a:t>
+              <a:t>Main Controller can save </a:t>
+            </a:r>
+            <a:r>
+              <a:rPr lang="en-US" altLang="zh-TW" dirty="0" smtClean="0"/>
+              <a:t>history</a:t>
+            </a:r>
+            <a:r>
+              <a:rPr lang="zh-TW" altLang="en-US" dirty="0" smtClean="0"/>
+              <a:t> </a:t>
+            </a:r>
+            <a:r>
+              <a:rPr lang="en-US" altLang="zh-TW" dirty="0" smtClean="0"/>
+              <a:t>(</a:t>
+            </a:r>
+            <a:r>
+              <a:rPr lang="en-US" altLang="zh-TW" dirty="0" smtClean="0"/>
+              <a:t>iterator)</a:t>
             </a:r>
           </a:p>
           <a:p>
@@ -5272,6 +5288,18 @@
               <a:rPr lang="en-US" altLang="zh-TW" dirty="0" err="1" smtClean="0"/>
               <a:t>ACIterator</a:t>
             </a:r>
+            <a:r>
+              <a:rPr lang="en-US" altLang="zh-TW" dirty="0" smtClean="0"/>
+              <a:t> (</a:t>
+            </a:r>
+            <a:r>
+              <a:rPr lang="en-US" altLang="zh-TW" dirty="0" err="1" smtClean="0"/>
+              <a:t>ArrayList</a:t>
+            </a:r>
+            <a:r>
+              <a:rPr lang="en-US" altLang="zh-TW" dirty="0" smtClean="0"/>
+              <a:t>)</a:t>
+            </a:r>
             <a:endParaRPr lang="en-US" altLang="zh-TW" dirty="0" smtClean="0"/>
           </a:p>
           <a:p>
@@ -5282,6 +5310,14 @@
             <a:r>
               <a:rPr lang="en-US" altLang="zh-TW" dirty="0" err="1" smtClean="0"/>
               <a:t>LightIterator</a:t>
+            </a:r>
+            <a:r>
+              <a:rPr lang="en-US" altLang="zh-TW" dirty="0" smtClean="0"/>
+              <a:t> </a:t>
+            </a:r>
+            <a:r>
+              <a:rPr lang="en-US" altLang="zh-TW" smtClean="0"/>
+              <a:t>(Array)</a:t>
             </a:r>
             <a:endParaRPr lang="en-US" altLang="zh-TW" dirty="0" smtClean="0"/>
           </a:p>
